--- a/Courses/Software-Sciences/Module-2-DS-and-Algo-New/02.1-Lists-Basics/02.1-Lists-Basics.pptx
+++ b/Courses/Software-Sciences/Module-2-DS-and-Algo-New/02.1-Lists-Basics/02.1-Lists-Basics.pptx
@@ -272,7 +272,7 @@
             </a:lvl1pPr>
           </a:lstStyle>
           <a:p>
-            <a:endParaRPr lang="bg-BG"/>
+            <a:endParaRPr lang="bg-BG" dirty="0"/>
           </a:p>
         </p:txBody>
       </p:sp>
@@ -311,9 +311,9 @@
           <a:p>
             <a:fld id="{4E087215-0C8F-4762-A664-737A353EC9A4}" type="datetimeFigureOut">
               <a:rPr lang="bg-BG" smtClean="0"/>
-              <a:t>17.4.2023 г.</a:t>
+              <a:t>6.7.2023 г.</a:t>
             </a:fld>
-            <a:endParaRPr lang="bg-BG"/>
+            <a:endParaRPr lang="bg-BG" dirty="0"/>
           </a:p>
         </p:txBody>
       </p:sp>
@@ -469,7 +469,7 @@
             </a:lvl1pPr>
           </a:lstStyle>
           <a:p>
-            <a:endParaRPr lang="en-US"/>
+            <a:endParaRPr lang="en-US" dirty="0"/>
           </a:p>
         </p:txBody>
       </p:sp>
@@ -502,9 +502,9 @@
           <a:p>
             <a:fld id="{72D84649-876A-46C9-8472-14CB09C070D8}" type="datetimeFigureOut">
               <a:rPr lang="en-US" smtClean="0"/>
-              <a:t>17-Apr-23</a:t>
+              <a:t>7/6/2023</a:t>
             </a:fld>
-            <a:endParaRPr lang="en-US"/>
+            <a:endParaRPr lang="en-US" dirty="0"/>
           </a:p>
         </p:txBody>
       </p:sp>
@@ -537,7 +537,7 @@
           <a:bodyPr vert="horz" lIns="91440" tIns="45720" rIns="91440" bIns="45720" rtlCol="0" anchor="ctr"/>
           <a:lstStyle/>
           <a:p>
-            <a:endParaRPr lang="en-US"/>
+            <a:endParaRPr lang="en-US" dirty="0"/>
           </a:p>
         </p:txBody>
       </p:sp>
@@ -970,7 +970,7 @@
           <a:bodyPr/>
           <a:lstStyle/>
           <a:p>
-            <a:endParaRPr lang="bg-BG"/>
+            <a:endParaRPr lang="bg-BG" dirty="0"/>
           </a:p>
         </p:txBody>
       </p:sp>
@@ -1508,7 +1508,7 @@
           <a:bodyPr/>
           <a:lstStyle/>
           <a:p>
-            <a:endParaRPr lang="en-US"/>
+            <a:endParaRPr lang="en-US" dirty="0"/>
           </a:p>
         </p:txBody>
       </p:sp>
@@ -1638,7 +1638,7 @@
               <a:pPr/>
               <a:t>26</a:t>
             </a:fld>
-            <a:endParaRPr lang="en-US"/>
+            <a:endParaRPr lang="en-US" dirty="0"/>
           </a:p>
         </p:txBody>
       </p:sp>
@@ -1676,17 +1676,17 @@
           </a:lstStyle>
           <a:p>
             <a:r>
-              <a:rPr lang="en-US"/>
+              <a:rPr lang="en-US" dirty="0"/>
               <a:t>© SoftUni – </a:t>
             </a:r>
             <a:r>
-              <a:rPr lang="en-US" u="sng">
+              <a:rPr lang="en-US" u="sng" dirty="0">
                 <a:hlinkClick r:id="rId3"/>
               </a:rPr>
               <a:t>https://softuni.org</a:t>
             </a:r>
             <a:r>
-              <a:rPr lang="en-US"/>
+              <a:rPr lang="en-US" dirty="0"/>
               <a:t>. Copyrighted document. Unauthorized copy or reproduction is not permitted.</a:t>
             </a:r>
           </a:p>
@@ -1749,7 +1749,7 @@
           <a:bodyPr/>
           <a:lstStyle/>
           <a:p>
-            <a:endParaRPr lang="en-US"/>
+            <a:endParaRPr lang="en-US" dirty="0"/>
           </a:p>
         </p:txBody>
       </p:sp>
@@ -1879,7 +1879,7 @@
               <a:pPr/>
               <a:t>27</a:t>
             </a:fld>
-            <a:endParaRPr lang="en-US"/>
+            <a:endParaRPr lang="en-US" dirty="0"/>
           </a:p>
         </p:txBody>
       </p:sp>
@@ -1917,17 +1917,17 @@
           </a:lstStyle>
           <a:p>
             <a:r>
-              <a:rPr lang="en-US"/>
+              <a:rPr lang="en-US" dirty="0"/>
               <a:t>© SoftUni – </a:t>
             </a:r>
             <a:r>
-              <a:rPr lang="en-US" u="sng">
+              <a:rPr lang="en-US" u="sng" dirty="0">
                 <a:hlinkClick r:id="rId3"/>
               </a:rPr>
               <a:t>https://softuni.org</a:t>
             </a:r>
             <a:r>
-              <a:rPr lang="en-US"/>
+              <a:rPr lang="en-US" dirty="0"/>
               <a:t>. Copyrighted document. Unauthorized copy or reproduction is not permitted.</a:t>
             </a:r>
           </a:p>
@@ -2027,7 +2027,7 @@
               <a:tabLst/>
               <a:defRPr/>
             </a:pPr>
-            <a:endParaRPr kumimoji="0" lang="en-US" altLang="ko-KR" sz="2398" b="0" i="0" u="none" strike="noStrike" kern="1200" cap="none" spc="0" normalizeH="0" baseline="0" noProof="0">
+            <a:endParaRPr kumimoji="0" lang="en-US" altLang="ko-KR" sz="2398" b="0" i="0" u="none" strike="noStrike" kern="1200" cap="none" spc="0" normalizeH="0" baseline="0" noProof="0" dirty="0">
               <a:ln>
                 <a:noFill/>
               </a:ln>
@@ -2656,7 +2656,7 @@
               <a:tabLst/>
               <a:defRPr/>
             </a:pPr>
-            <a:endParaRPr kumimoji="0" lang="en-US" altLang="ko-KR" sz="2398" b="0" i="0" u="none" strike="noStrike" kern="1200" cap="none" spc="0" normalizeH="0" baseline="0" noProof="0">
+            <a:endParaRPr kumimoji="0" lang="en-US" altLang="ko-KR" sz="2398" b="0" i="0" u="none" strike="noStrike" kern="1200" cap="none" spc="0" normalizeH="0" baseline="0" noProof="0" dirty="0">
               <a:ln>
                 <a:noFill/>
               </a:ln>
@@ -2779,7 +2779,7 @@
               <a:tabLst/>
               <a:defRPr/>
             </a:pPr>
-            <a:endParaRPr kumimoji="0" lang="en-US" altLang="ko-KR" sz="2398" b="0" i="0" u="none" strike="noStrike" kern="1200" cap="none" spc="0" normalizeH="0" baseline="0" noProof="0">
+            <a:endParaRPr kumimoji="0" lang="en-US" altLang="ko-KR" sz="2398" b="0" i="0" u="none" strike="noStrike" kern="1200" cap="none" spc="0" normalizeH="0" baseline="0" noProof="0" dirty="0">
               <a:ln>
                 <a:noFill/>
               </a:ln>
@@ -3052,7 +3052,7 @@
               <a:tabLst/>
               <a:defRPr/>
             </a:pPr>
-            <a:endParaRPr kumimoji="0" lang="en-US" altLang="ko-KR" sz="2398" b="0" i="0" u="none" strike="noStrike" kern="1200" cap="none" spc="0" normalizeH="0" baseline="0" noProof="0">
+            <a:endParaRPr kumimoji="0" lang="en-US" altLang="ko-KR" sz="2398" b="0" i="0" u="none" strike="noStrike" kern="1200" cap="none" spc="0" normalizeH="0" baseline="0" noProof="0" dirty="0">
               <a:ln>
                 <a:noFill/>
               </a:ln>
@@ -3238,7 +3238,7 @@
               <a:pPr/>
               <a:t>‹#›</a:t>
             </a:fld>
-            <a:endParaRPr lang="en-US" noProof="0"/>
+            <a:endParaRPr lang="en-US" noProof="0" dirty="0"/>
           </a:p>
         </p:txBody>
       </p:sp>
@@ -3392,7 +3392,7 @@
           </a:lstStyle>
           <a:p>
             <a:r>
-              <a:rPr lang="en-US" altLang="ko-KR" noProof="0"/>
+              <a:rPr lang="en-US" altLang="ko-KR" noProof="0" dirty="0"/>
               <a:t>Your Picture Here</a:t>
             </a:r>
           </a:p>
@@ -3456,7 +3456,7 @@
               <a:tabLst/>
               <a:defRPr/>
             </a:pPr>
-            <a:endParaRPr kumimoji="0" lang="en-US" altLang="ko-KR" sz="2398" b="0" i="0" u="none" strike="noStrike" kern="1200" cap="none" spc="0" normalizeH="0" baseline="0" noProof="0">
+            <a:endParaRPr kumimoji="0" lang="en-US" altLang="ko-KR" sz="2398" b="0" i="0" u="none" strike="noStrike" kern="1200" cap="none" spc="0" normalizeH="0" baseline="0" noProof="0" dirty="0">
               <a:ln>
                 <a:noFill/>
               </a:ln>
@@ -3531,7 +3531,7 @@
               <a:tabLst/>
               <a:defRPr/>
             </a:pPr>
-            <a:endParaRPr kumimoji="0" lang="en-US" altLang="ko-KR" sz="2398" b="0" i="0" u="none" strike="noStrike" kern="1200" cap="none" spc="0" normalizeH="0" baseline="0" noProof="0">
+            <a:endParaRPr kumimoji="0" lang="en-US" altLang="ko-KR" sz="2398" b="0" i="0" u="none" strike="noStrike" kern="1200" cap="none" spc="0" normalizeH="0" baseline="0" noProof="0" dirty="0">
               <a:ln>
                 <a:noFill/>
               </a:ln>
@@ -3612,7 +3612,7 @@
               <a:tabLst/>
               <a:defRPr/>
             </a:pPr>
-            <a:endParaRPr kumimoji="0" lang="en-US" altLang="ko-KR" sz="2398" b="0" i="0" u="none" strike="noStrike" kern="1200" cap="none" spc="0" normalizeH="0" baseline="0" noProof="0">
+            <a:endParaRPr kumimoji="0" lang="en-US" altLang="ko-KR" sz="2398" b="0" i="0" u="none" strike="noStrike" kern="1200" cap="none" spc="0" normalizeH="0" baseline="0" noProof="0" dirty="0">
               <a:ln>
                 <a:noFill/>
               </a:ln>
@@ -3693,7 +3693,7 @@
               <a:tabLst/>
               <a:defRPr/>
             </a:pPr>
-            <a:endParaRPr kumimoji="0" lang="en-US" altLang="ko-KR" sz="2398" b="0" i="0" u="none" strike="noStrike" kern="1200" cap="none" spc="0" normalizeH="0" baseline="0" noProof="0">
+            <a:endParaRPr kumimoji="0" lang="en-US" altLang="ko-KR" sz="2398" b="0" i="0" u="none" strike="noStrike" kern="1200" cap="none" spc="0" normalizeH="0" baseline="0" noProof="0" dirty="0">
               <a:ln>
                 <a:noFill/>
               </a:ln>
@@ -3897,7 +3897,7 @@
               <a:tabLst/>
               <a:defRPr/>
             </a:pPr>
-            <a:endParaRPr kumimoji="0" lang="en-US" altLang="ko-KR" sz="2398" b="0" i="0" u="none" strike="noStrike" kern="1200" cap="none" spc="0" normalizeH="0" baseline="0" noProof="0">
+            <a:endParaRPr kumimoji="0" lang="en-US" altLang="ko-KR" sz="2398" b="0" i="0" u="none" strike="noStrike" kern="1200" cap="none" spc="0" normalizeH="0" baseline="0" noProof="0" dirty="0">
               <a:ln>
                 <a:noFill/>
               </a:ln>
@@ -5403,7 +5403,7 @@
               <a:tabLst/>
               <a:defRPr/>
             </a:pPr>
-            <a:endParaRPr kumimoji="0" lang="en-US" altLang="ko-KR" sz="2398" b="0" i="0" u="none" strike="noStrike" kern="1200" cap="none" spc="0" normalizeH="0" baseline="0" noProof="0">
+            <a:endParaRPr kumimoji="0" lang="en-US" altLang="ko-KR" sz="2398" b="0" i="0" u="none" strike="noStrike" kern="1200" cap="none" spc="0" normalizeH="0" baseline="0" noProof="0" dirty="0">
               <a:ln>
                 <a:noFill/>
               </a:ln>
@@ -5731,7 +5731,7 @@
               <a:tabLst/>
               <a:defRPr/>
             </a:pPr>
-            <a:endParaRPr kumimoji="0" lang="en-US" altLang="ko-KR" sz="2398" b="0" i="0" u="none" strike="noStrike" kern="1200" cap="none" spc="0" normalizeH="0" baseline="0" noProof="0">
+            <a:endParaRPr kumimoji="0" lang="en-US" altLang="ko-KR" sz="2398" b="0" i="0" u="none" strike="noStrike" kern="1200" cap="none" spc="0" normalizeH="0" baseline="0" noProof="0" dirty="0">
               <a:ln>
                 <a:noFill/>
               </a:ln>
@@ -5901,7 +5901,7 @@
               <a:pPr/>
               <a:t>‹#›</a:t>
             </a:fld>
-            <a:endParaRPr lang="en-US" noProof="0"/>
+            <a:endParaRPr lang="en-US" noProof="0" dirty="0"/>
           </a:p>
         </p:txBody>
       </p:sp>
@@ -6096,7 +6096,7 @@
               <a:tabLst/>
               <a:defRPr/>
             </a:pPr>
-            <a:endParaRPr kumimoji="0" lang="en-US" altLang="ko-KR" sz="2398" b="0" i="0" u="none" strike="noStrike" kern="1200" cap="none" spc="0" normalizeH="0" baseline="0" noProof="0">
+            <a:endParaRPr kumimoji="0" lang="en-US" altLang="ko-KR" sz="2398" b="0" i="0" u="none" strike="noStrike" kern="1200" cap="none" spc="0" normalizeH="0" baseline="0" noProof="0" dirty="0">
               <a:ln>
                 <a:noFill/>
               </a:ln>
@@ -7357,7 +7357,7 @@
               <a:pPr/>
               <a:t>‹#›</a:t>
             </a:fld>
-            <a:endParaRPr lang="en-US" noProof="0"/>
+            <a:endParaRPr lang="en-US" noProof="0" dirty="0"/>
           </a:p>
         </p:txBody>
       </p:sp>
@@ -7425,7 +7425,7 @@
               <a:tabLst/>
               <a:defRPr/>
             </a:pPr>
-            <a:endParaRPr kumimoji="0" lang="en-US" altLang="ko-KR" sz="2398" b="0" i="0" u="none" strike="noStrike" kern="1200" cap="none" spc="0" normalizeH="0" baseline="0" noProof="0">
+            <a:endParaRPr kumimoji="0" lang="en-US" altLang="ko-KR" sz="2398" b="0" i="0" u="none" strike="noStrike" kern="1200" cap="none" spc="0" normalizeH="0" baseline="0" noProof="0" dirty="0">
               <a:ln>
                 <a:noFill/>
               </a:ln>
@@ -7793,7 +7793,7 @@
               <a:tabLst/>
               <a:defRPr/>
             </a:pPr>
-            <a:endParaRPr kumimoji="0" lang="en-US" altLang="ko-KR" sz="2398" b="0" i="0" u="none" strike="noStrike" kern="1200" cap="none" spc="0" normalizeH="0" baseline="0" noProof="0">
+            <a:endParaRPr kumimoji="0" lang="en-US" altLang="ko-KR" sz="2398" b="0" i="0" u="none" strike="noStrike" kern="1200" cap="none" spc="0" normalizeH="0" baseline="0" noProof="0" dirty="0">
               <a:ln>
                 <a:noFill/>
               </a:ln>
@@ -8520,13 +8520,13 @@
           <a:lstStyle/>
           <a:p>
             <a:r>
-              <a:rPr lang="en-US" sz="1950">
+              <a:rPr lang="en-US" sz="1950" dirty="0">
                 <a:ea typeface="+mn-lt"/>
                 <a:cs typeface="+mn-lt"/>
               </a:rPr>
               <a:t>Софтуерен университет</a:t>
             </a:r>
-            <a:endParaRPr lang="en-US" sz="1950" b="0">
+            <a:endParaRPr lang="en-US" sz="1950" b="0" dirty="0">
               <a:ea typeface="+mn-lt"/>
               <a:cs typeface="+mn-lt"/>
             </a:endParaRPr>
@@ -8549,7 +8549,7 @@
           <a:lstStyle/>
           <a:p>
             <a:r>
-              <a:rPr lang="en-US">
+              <a:rPr lang="en-US" dirty="0">
                 <a:hlinkClick r:id="rId3"/>
               </a:rPr>
               <a:t>https://softuni.bg</a:t>
@@ -8580,13 +8580,13 @@
           <a:lstStyle/>
           <a:p>
             <a:r>
-              <a:rPr lang="en-US" sz="2750">
+              <a:rPr lang="en-US" sz="2750" dirty="0">
                 <a:ea typeface="+mn-lt"/>
                 <a:cs typeface="+mn-lt"/>
               </a:rPr>
               <a:t>СофтУни</a:t>
             </a:r>
-            <a:endParaRPr lang="bg-BG"/>
+            <a:endParaRPr lang="bg-BG" dirty="0"/>
           </a:p>
         </p:txBody>
       </p:sp>
@@ -8617,13 +8617,13 @@
           <a:lstStyle/>
           <a:p>
             <a:r>
-              <a:rPr lang="en-US" sz="2350">
+              <a:rPr lang="en-US" sz="2350" dirty="0">
                 <a:ea typeface="+mn-lt"/>
                 <a:cs typeface="+mn-lt"/>
               </a:rPr>
               <a:t>Преподавателски екип</a:t>
             </a:r>
-            <a:endParaRPr lang="bg-BG"/>
+            <a:endParaRPr lang="bg-BG" dirty="0"/>
           </a:p>
         </p:txBody>
       </p:sp>
@@ -9427,64 +9427,10 @@
           <a:lstStyle/>
           <a:p>
             <a:r>
-              <a:rPr lang="en-GB" sz="5350" dirty="0" err="1">
-                <a:cs typeface="Arial"/>
-              </a:rPr>
-              <a:t>Използване</a:t>
-            </a:r>
-            <a:r>
               <a:rPr lang="en-GB" sz="5350" dirty="0">
                 <a:cs typeface="Arial"/>
               </a:rPr>
-              <a:t> </a:t>
-            </a:r>
-            <a:r>
-              <a:rPr lang="en-GB" sz="5350" dirty="0" err="1">
-                <a:cs typeface="Arial"/>
-              </a:rPr>
-              <a:t>на</a:t>
-            </a:r>
-            <a:r>
-              <a:rPr lang="en-GB" sz="5350" dirty="0">
-                <a:cs typeface="Arial"/>
-              </a:rPr>
-              <a:t> </a:t>
-            </a:r>
-            <a:r>
-              <a:rPr lang="en-GB" sz="5350" dirty="0" err="1">
-                <a:cs typeface="Arial"/>
-              </a:rPr>
-              <a:t>цикъл</a:t>
-            </a:r>
-            <a:r>
-              <a:rPr lang="en-GB" sz="5350" dirty="0">
-                <a:cs typeface="Arial"/>
-              </a:rPr>
-              <a:t> </a:t>
-            </a:r>
-            <a:r>
-              <a:rPr lang="en-GB" sz="5350" dirty="0" err="1">
-                <a:cs typeface="Arial"/>
-              </a:rPr>
-              <a:t>или</a:t>
-            </a:r>
-            <a:r>
-              <a:rPr lang="en-GB" sz="5350" dirty="0">
-                <a:cs typeface="Arial"/>
-              </a:rPr>
-              <a:t> </a:t>
-            </a:r>
-            <a:r>
-              <a:rPr lang="en-GB" sz="5350" dirty="0" err="1">
-                <a:cs typeface="Arial"/>
-              </a:rPr>
-              <a:t>String.Split</a:t>
-            </a:r>
-            <a:r>
-              <a:rPr lang="en-GB" sz="5350" dirty="0">
-                <a:cs typeface="Arial"/>
-              </a:rPr>
-              <a:t>()</a:t>
+              <a:t>Използване на цикъл или String.Split()</a:t>
             </a:r>
             <a:endParaRPr lang="bg-BG" sz="5350" dirty="0">
               <a:cs typeface="Arial"/>
@@ -9590,15 +9536,11 @@
           <a:p>
             <a:pPr marL="360045" indent="-360045"/>
             <a:r>
-              <a:rPr lang="en-US" sz="3600" dirty="0" err="1"/>
-              <a:t>Първо</a:t>
-            </a:r>
-            <a:r>
               <a:rPr lang="en-US" sz="3600" dirty="0"/>
-              <a:t> </a:t>
-            </a:r>
-            <a:r>
-              <a:rPr lang="en-US" sz="3600" dirty="0" err="1">
+              <a:t>Първо </a:t>
+            </a:r>
+            <a:r>
+              <a:rPr lang="en-US" sz="3600" dirty="0">
                 <a:ea typeface="+mn-lt"/>
                 <a:cs typeface="+mn-lt"/>
               </a:rPr>
@@ -9606,55 +9548,27 @@
             </a:r>
             <a:r>
               <a:rPr lang="en-US" sz="3600" dirty="0"/>
-              <a:t> </a:t>
-            </a:r>
-            <a:r>
-              <a:rPr lang="en-US" sz="3600" dirty="0" err="1"/>
-              <a:t>от</a:t>
+              <a:t> от конзолата </a:t>
+            </a:r>
+            <a:r>
+              <a:rPr lang="en-US" sz="3600" b="1" dirty="0">
+                <a:solidFill>
+                  <a:schemeClr val="bg1"/>
+                </a:solidFill>
+              </a:rPr>
+              <a:t>дължината </a:t>
+            </a:r>
+            <a:r>
+              <a:rPr lang="en-US" sz="3600" dirty="0">
+                <a:solidFill>
+                  <a:srgbClr val="234465"/>
+                </a:solidFill>
+              </a:rPr>
+              <a:t>на</a:t>
             </a:r>
             <a:r>
               <a:rPr lang="en-US" sz="3600" dirty="0"/>
-              <a:t> </a:t>
-            </a:r>
-            <a:r>
-              <a:rPr lang="en-US" sz="3600" dirty="0" err="1"/>
-              <a:t>конзолата</a:t>
-            </a:r>
-            <a:r>
-              <a:rPr lang="en-US" sz="3600" dirty="0"/>
-              <a:t> </a:t>
-            </a:r>
-            <a:r>
-              <a:rPr lang="en-US" sz="3600" b="1" dirty="0" err="1">
-                <a:solidFill>
-                  <a:schemeClr val="bg1"/>
-                </a:solidFill>
-              </a:rPr>
-              <a:t>дължината</a:t>
-            </a:r>
-            <a:r>
-              <a:rPr lang="en-US" sz="3600" b="1" dirty="0">
-                <a:solidFill>
-                  <a:schemeClr val="bg1"/>
-                </a:solidFill>
-              </a:rPr>
-              <a:t> </a:t>
-            </a:r>
-            <a:r>
-              <a:rPr lang="en-US" sz="3600" dirty="0" err="1">
-                <a:solidFill>
-                  <a:srgbClr val="234465"/>
-                </a:solidFill>
-              </a:rPr>
-              <a:t>на</a:t>
-            </a:r>
-            <a:r>
-              <a:rPr lang="en-US" sz="3600" dirty="0"/>
-              <a:t> </a:t>
-            </a:r>
-            <a:r>
-              <a:rPr lang="en-US" sz="3600" dirty="0" err="1"/>
-              <a:t>списъка</a:t>
+              <a:t> списъка</a:t>
             </a:r>
             <a:r>
               <a:rPr lang="en-US" sz="3600" dirty="0">
@@ -9676,67 +9590,23 @@
           <a:p>
             <a:pPr marL="360045" indent="-360045"/>
             <a:r>
-              <a:rPr lang="en-US" sz="3600" dirty="0" err="1"/>
-              <a:t>След</a:t>
-            </a:r>
-            <a:r>
               <a:rPr lang="en-US" sz="3600" dirty="0"/>
-              <a:t> </a:t>
-            </a:r>
-            <a:r>
-              <a:rPr lang="en-US" sz="3600" dirty="0" err="1"/>
-              <a:t>това</a:t>
+              <a:t>След това създаваме списък с дължина </a:t>
+            </a:r>
+            <a:r>
+              <a:rPr lang="en-US" sz="3600" dirty="0">
+                <a:solidFill>
+                  <a:schemeClr val="bg1"/>
+                </a:solidFill>
+              </a:rPr>
+              <a:t>n</a:t>
             </a:r>
             <a:r>
               <a:rPr lang="en-US" sz="3600" dirty="0"/>
-              <a:t> </a:t>
-            </a:r>
-            <a:r>
-              <a:rPr lang="en-US" sz="3600" dirty="0" err="1"/>
-              <a:t>създаваме</a:t>
-            </a:r>
-            <a:r>
-              <a:rPr lang="en-US" sz="3600" dirty="0"/>
-              <a:t> </a:t>
-            </a:r>
-            <a:r>
-              <a:rPr lang="en-US" sz="3600" dirty="0" err="1"/>
-              <a:t>списък</a:t>
-            </a:r>
-            <a:r>
-              <a:rPr lang="en-US" sz="3600" dirty="0"/>
-              <a:t> с </a:t>
-            </a:r>
-            <a:r>
-              <a:rPr lang="en-US" sz="3600" dirty="0" err="1"/>
-              <a:t>дължина</a:t>
-            </a:r>
-            <a:r>
-              <a:rPr lang="en-US" sz="3600" dirty="0"/>
-              <a:t> </a:t>
+              <a:t> и четем </a:t>
             </a:r>
             <a:r>
               <a:rPr lang="en-US" sz="3600" dirty="0">
-                <a:solidFill>
-                  <a:schemeClr val="bg1"/>
-                </a:solidFill>
-              </a:rPr>
-              <a:t>n</a:t>
-            </a:r>
-            <a:r>
-              <a:rPr lang="en-US" sz="3600" dirty="0"/>
-              <a:t> и </a:t>
-            </a:r>
-            <a:r>
-              <a:rPr lang="en-US" sz="3600" dirty="0" err="1"/>
-              <a:t>четем</a:t>
-            </a:r>
-            <a:r>
-              <a:rPr lang="en-US" sz="3600" dirty="0"/>
-              <a:t> </a:t>
-            </a:r>
-            <a:r>
-              <a:rPr lang="en-US" sz="3600" dirty="0" err="1">
                 <a:solidFill>
                   <a:schemeClr val="bg1"/>
                 </a:solidFill>
@@ -9781,69 +9651,13 @@
           <a:lstStyle/>
           <a:p>
             <a:r>
-              <a:rPr lang="en-US" sz="3950" dirty="0" err="1">
-                <a:ea typeface="+mj-lt"/>
-                <a:cs typeface="+mj-lt"/>
-              </a:rPr>
-              <a:t>Четене</a:t>
-            </a:r>
-            <a:r>
               <a:rPr lang="en-US" sz="3950" dirty="0">
                 <a:ea typeface="+mj-lt"/>
                 <a:cs typeface="+mj-lt"/>
               </a:rPr>
-              <a:t> </a:t>
-            </a:r>
-            <a:r>
-              <a:rPr lang="en-US" sz="3950" dirty="0" err="1">
-                <a:ea typeface="+mj-lt"/>
-                <a:cs typeface="+mj-lt"/>
-              </a:rPr>
-              <a:t>на</a:t>
-            </a:r>
-            <a:r>
-              <a:rPr lang="en-US" sz="3950" dirty="0">
-                <a:ea typeface="+mj-lt"/>
-                <a:cs typeface="+mj-lt"/>
-              </a:rPr>
-              <a:t> </a:t>
-            </a:r>
-            <a:r>
-              <a:rPr lang="en-US" sz="3950" dirty="0" err="1">
-                <a:ea typeface="+mj-lt"/>
-                <a:cs typeface="+mj-lt"/>
-              </a:rPr>
-              <a:t>списък</a:t>
-            </a:r>
-            <a:r>
-              <a:rPr lang="en-US" sz="3950" dirty="0">
-                <a:ea typeface="+mj-lt"/>
-                <a:cs typeface="+mj-lt"/>
-              </a:rPr>
-              <a:t> </a:t>
-            </a:r>
-            <a:r>
-              <a:rPr lang="en-US" sz="3950" dirty="0" err="1">
-                <a:ea typeface="+mj-lt"/>
-                <a:cs typeface="+mj-lt"/>
-              </a:rPr>
-              <a:t>от</a:t>
-            </a:r>
-            <a:r>
-              <a:rPr lang="en-US" sz="3950" dirty="0">
-                <a:ea typeface="+mj-lt"/>
-                <a:cs typeface="+mj-lt"/>
-              </a:rPr>
-              <a:t> </a:t>
-            </a:r>
-            <a:r>
-              <a:rPr lang="en-US" sz="3950" dirty="0" err="1">
-                <a:ea typeface="+mj-lt"/>
-                <a:cs typeface="+mj-lt"/>
-              </a:rPr>
-              <a:t>конзолата</a:t>
-            </a:r>
-            <a:endParaRPr lang="bg-BG" dirty="0" err="1"/>
+              <a:t>Четене на списък от конзолата</a:t>
+            </a:r>
+            <a:endParaRPr lang="bg-BG" dirty="0"/>
           </a:p>
         </p:txBody>
       </p:sp>
@@ -10967,209 +10781,38 @@
           <a:p>
             <a:pPr marL="360045" indent="-360045"/>
             <a:r>
-              <a:rPr lang="en-US" sz="3350" dirty="0" err="1">
-                <a:ea typeface="+mn-lt"/>
-                <a:cs typeface="+mn-lt"/>
-              </a:rPr>
-              <a:t>Списъкът</a:t>
-            </a:r>
-            <a:r>
               <a:rPr lang="en-US" sz="3350" dirty="0">
                 <a:ea typeface="+mn-lt"/>
                 <a:cs typeface="+mn-lt"/>
               </a:rPr>
-              <a:t> </a:t>
-            </a:r>
-            <a:r>
-              <a:rPr lang="en-US" sz="3350" dirty="0" err="1">
+              <a:t>Списъкът може да бъде прочетен от </a:t>
+            </a:r>
+            <a:r>
+              <a:rPr lang="en-US" sz="3350" dirty="0">
+                <a:solidFill>
+                  <a:schemeClr val="bg1"/>
+                </a:solidFill>
                 <a:ea typeface="+mn-lt"/>
                 <a:cs typeface="+mn-lt"/>
               </a:rPr>
-              <a:t>може</a:t>
+              <a:t>един ред</a:t>
             </a:r>
             <a:r>
               <a:rPr lang="en-US" sz="3350" dirty="0">
                 <a:ea typeface="+mn-lt"/>
                 <a:cs typeface="+mn-lt"/>
               </a:rPr>
-              <a:t> </a:t>
-            </a:r>
-            <a:r>
-              <a:rPr lang="en-US" sz="3350" dirty="0" err="1">
+              <a:t> като </a:t>
+            </a:r>
+            <a:r>
+              <a:rPr lang="en-US" sz="3350" dirty="0">
+                <a:solidFill>
+                  <a:schemeClr val="bg1"/>
+                </a:solidFill>
                 <a:ea typeface="+mn-lt"/>
                 <a:cs typeface="+mn-lt"/>
               </a:rPr>
-              <a:t>да</a:t>
-            </a:r>
-            <a:r>
-              <a:rPr lang="en-US" sz="3350" dirty="0">
-                <a:ea typeface="+mn-lt"/>
-                <a:cs typeface="+mn-lt"/>
-              </a:rPr>
-              <a:t> </a:t>
-            </a:r>
-            <a:r>
-              <a:rPr lang="en-US" sz="3350" dirty="0" err="1">
-                <a:ea typeface="+mn-lt"/>
-                <a:cs typeface="+mn-lt"/>
-              </a:rPr>
-              <a:t>бъде</a:t>
-            </a:r>
-            <a:r>
-              <a:rPr lang="en-US" sz="3350" dirty="0">
-                <a:ea typeface="+mn-lt"/>
-                <a:cs typeface="+mn-lt"/>
-              </a:rPr>
-              <a:t> </a:t>
-            </a:r>
-            <a:r>
-              <a:rPr lang="en-US" sz="3350" dirty="0" err="1">
-                <a:ea typeface="+mn-lt"/>
-                <a:cs typeface="+mn-lt"/>
-              </a:rPr>
-              <a:t>прочетен</a:t>
-            </a:r>
-            <a:r>
-              <a:rPr lang="en-US" sz="3350" dirty="0">
-                <a:ea typeface="+mn-lt"/>
-                <a:cs typeface="+mn-lt"/>
-              </a:rPr>
-              <a:t> </a:t>
-            </a:r>
-            <a:r>
-              <a:rPr lang="en-US" sz="3350" dirty="0" err="1">
-                <a:ea typeface="+mn-lt"/>
-                <a:cs typeface="+mn-lt"/>
-              </a:rPr>
-              <a:t>от</a:t>
-            </a:r>
-            <a:r>
-              <a:rPr lang="en-US" sz="3350" dirty="0">
-                <a:ea typeface="+mn-lt"/>
-                <a:cs typeface="+mn-lt"/>
-              </a:rPr>
-              <a:t> </a:t>
-            </a:r>
-            <a:r>
-              <a:rPr lang="en-US" sz="3350" dirty="0" err="1">
-                <a:solidFill>
-                  <a:schemeClr val="bg1"/>
-                </a:solidFill>
-                <a:ea typeface="+mn-lt"/>
-                <a:cs typeface="+mn-lt"/>
-              </a:rPr>
-              <a:t>един</a:t>
-            </a:r>
-            <a:r>
-              <a:rPr lang="en-US" sz="3350" dirty="0">
-                <a:solidFill>
-                  <a:schemeClr val="bg1"/>
-                </a:solidFill>
-                <a:ea typeface="+mn-lt"/>
-                <a:cs typeface="+mn-lt"/>
-              </a:rPr>
-              <a:t> </a:t>
-            </a:r>
-            <a:r>
-              <a:rPr lang="en-US" sz="3350" dirty="0" err="1">
-                <a:solidFill>
-                  <a:schemeClr val="bg1"/>
-                </a:solidFill>
-                <a:ea typeface="+mn-lt"/>
-                <a:cs typeface="+mn-lt"/>
-              </a:rPr>
-              <a:t>ред</a:t>
-            </a:r>
-            <a:r>
-              <a:rPr lang="en-US" sz="3350" dirty="0">
-                <a:ea typeface="+mn-lt"/>
-                <a:cs typeface="+mn-lt"/>
-              </a:rPr>
-              <a:t> </a:t>
-            </a:r>
-            <a:r>
-              <a:rPr lang="en-US" sz="3350" dirty="0" err="1">
-                <a:ea typeface="+mn-lt"/>
-                <a:cs typeface="+mn-lt"/>
-              </a:rPr>
-              <a:t>като</a:t>
-            </a:r>
-            <a:r>
-              <a:rPr lang="en-US" sz="3350" dirty="0">
-                <a:ea typeface="+mn-lt"/>
-                <a:cs typeface="+mn-lt"/>
-              </a:rPr>
-              <a:t> </a:t>
-            </a:r>
-            <a:r>
-              <a:rPr lang="en-US" sz="3350" dirty="0" err="1">
-                <a:solidFill>
-                  <a:schemeClr val="bg1"/>
-                </a:solidFill>
-                <a:ea typeface="+mn-lt"/>
-                <a:cs typeface="+mn-lt"/>
-              </a:rPr>
-              <a:t>стойностите</a:t>
-            </a:r>
-            <a:r>
-              <a:rPr lang="en-US" sz="3350" dirty="0">
-                <a:solidFill>
-                  <a:schemeClr val="bg1"/>
-                </a:solidFill>
-                <a:ea typeface="+mn-lt"/>
-                <a:cs typeface="+mn-lt"/>
-              </a:rPr>
-              <a:t> </a:t>
-            </a:r>
-            <a:r>
-              <a:rPr lang="en-US" sz="3350" dirty="0" err="1">
-                <a:solidFill>
-                  <a:schemeClr val="bg1"/>
-                </a:solidFill>
-                <a:ea typeface="+mn-lt"/>
-                <a:cs typeface="+mn-lt"/>
-              </a:rPr>
-              <a:t>се</a:t>
-            </a:r>
-            <a:r>
-              <a:rPr lang="en-US" sz="3350" dirty="0">
-                <a:solidFill>
-                  <a:schemeClr val="bg1"/>
-                </a:solidFill>
-                <a:ea typeface="+mn-lt"/>
-                <a:cs typeface="+mn-lt"/>
-              </a:rPr>
-              <a:t> </a:t>
-            </a:r>
-            <a:r>
-              <a:rPr lang="en-US" sz="3350" dirty="0" err="1">
-                <a:solidFill>
-                  <a:schemeClr val="bg1"/>
-                </a:solidFill>
-                <a:ea typeface="+mn-lt"/>
-                <a:cs typeface="+mn-lt"/>
-              </a:rPr>
-              <a:t>разделят</a:t>
-            </a:r>
-            <a:r>
-              <a:rPr lang="en-US" sz="3350" dirty="0">
-                <a:solidFill>
-                  <a:schemeClr val="bg1"/>
-                </a:solidFill>
-                <a:ea typeface="+mn-lt"/>
-                <a:cs typeface="+mn-lt"/>
-              </a:rPr>
-              <a:t> с </a:t>
-            </a:r>
-            <a:r>
-              <a:rPr lang="en-US" sz="3350" dirty="0" err="1">
-                <a:solidFill>
-                  <a:schemeClr val="bg1"/>
-                </a:solidFill>
-                <a:ea typeface="+mn-lt"/>
-                <a:cs typeface="+mn-lt"/>
-              </a:rPr>
-              <a:t>интервал</a:t>
+              <a:t>стойностите се разделят с интервал</a:t>
             </a:r>
             <a:r>
               <a:rPr lang="en-US" sz="3350" dirty="0">
@@ -11200,111 +10843,13 @@
           <a:lstStyle/>
           <a:p>
             <a:r>
-              <a:rPr lang="en-US" sz="3800" dirty="0" err="1">
-                <a:ea typeface="+mj-lt"/>
-                <a:cs typeface="+mj-lt"/>
-              </a:rPr>
-              <a:t>Четене</a:t>
-            </a:r>
-            <a:r>
               <a:rPr lang="en-US" sz="3800" dirty="0">
                 <a:ea typeface="+mj-lt"/>
                 <a:cs typeface="+mj-lt"/>
               </a:rPr>
-              <a:t> </a:t>
-            </a:r>
-            <a:r>
-              <a:rPr lang="en-US" sz="3800" dirty="0" err="1">
-                <a:ea typeface="+mj-lt"/>
-                <a:cs typeface="+mj-lt"/>
-              </a:rPr>
-              <a:t>на</a:t>
-            </a:r>
-            <a:r>
-              <a:rPr lang="en-US" sz="3800" dirty="0">
-                <a:ea typeface="+mj-lt"/>
-                <a:cs typeface="+mj-lt"/>
-              </a:rPr>
-              <a:t> </a:t>
-            </a:r>
-            <a:r>
-              <a:rPr lang="en-US" sz="3800" dirty="0" err="1">
-                <a:ea typeface="+mj-lt"/>
-                <a:cs typeface="+mj-lt"/>
-              </a:rPr>
-              <a:t>стойностите</a:t>
-            </a:r>
-            <a:r>
-              <a:rPr lang="en-US" sz="3800" dirty="0">
-                <a:ea typeface="+mj-lt"/>
-                <a:cs typeface="+mj-lt"/>
-              </a:rPr>
-              <a:t> </a:t>
-            </a:r>
-            <a:r>
-              <a:rPr lang="en-US" sz="3800" dirty="0" err="1">
-                <a:ea typeface="+mj-lt"/>
-                <a:cs typeface="+mj-lt"/>
-              </a:rPr>
-              <a:t>на</a:t>
-            </a:r>
-            <a:r>
-              <a:rPr lang="en-US" sz="3800" dirty="0">
-                <a:ea typeface="+mj-lt"/>
-                <a:cs typeface="+mj-lt"/>
-              </a:rPr>
-              <a:t> </a:t>
-            </a:r>
-            <a:r>
-              <a:rPr lang="en-US" sz="3800" dirty="0" err="1">
-                <a:ea typeface="+mj-lt"/>
-                <a:cs typeface="+mj-lt"/>
-              </a:rPr>
-              <a:t>списък</a:t>
-            </a:r>
-            <a:r>
-              <a:rPr lang="en-US" sz="3800" dirty="0">
-                <a:ea typeface="+mj-lt"/>
-                <a:cs typeface="+mj-lt"/>
-              </a:rPr>
-              <a:t> </a:t>
-            </a:r>
-            <a:r>
-              <a:rPr lang="en-US" sz="3800" dirty="0" err="1">
-                <a:ea typeface="+mj-lt"/>
-                <a:cs typeface="+mj-lt"/>
-              </a:rPr>
-              <a:t>от</a:t>
-            </a:r>
-            <a:r>
-              <a:rPr lang="en-US" sz="3800" dirty="0">
-                <a:ea typeface="+mj-lt"/>
-                <a:cs typeface="+mj-lt"/>
-              </a:rPr>
-              <a:t> </a:t>
-            </a:r>
-            <a:r>
-              <a:rPr lang="en-US" sz="3800" dirty="0" err="1">
-                <a:ea typeface="+mj-lt"/>
-                <a:cs typeface="+mj-lt"/>
-              </a:rPr>
-              <a:t>един</a:t>
-            </a:r>
-            <a:r>
-              <a:rPr lang="en-US" sz="3800" dirty="0">
-                <a:ea typeface="+mj-lt"/>
-                <a:cs typeface="+mj-lt"/>
-              </a:rPr>
-              <a:t> </a:t>
-            </a:r>
-            <a:r>
-              <a:rPr lang="en-US" sz="3800" dirty="0" err="1">
-                <a:ea typeface="+mj-lt"/>
-                <a:cs typeface="+mj-lt"/>
-              </a:rPr>
-              <a:t>ред</a:t>
-            </a:r>
-            <a:endParaRPr lang="bg-BG" sz="3800">
+              <a:t>Четене на стойностите на списък от един ред</a:t>
+            </a:r>
+            <a:endParaRPr lang="bg-BG" sz="3800" dirty="0">
               <a:cs typeface="Calibri"/>
             </a:endParaRPr>
           </a:p>
@@ -12372,32 +11917,8 @@
           <a:p>
             <a:pPr marL="360045" indent="-360045"/>
             <a:r>
-              <a:rPr lang="en-US" sz="3350" dirty="0" err="1"/>
-              <a:t>Принтиране</a:t>
-            </a:r>
-            <a:r>
               <a:rPr lang="en-US" sz="3350" dirty="0"/>
-              <a:t> </a:t>
-            </a:r>
-            <a:r>
-              <a:rPr lang="en-US" sz="3350" dirty="0" err="1"/>
-              <a:t>на</a:t>
-            </a:r>
-            <a:r>
-              <a:rPr lang="en-US" sz="3350" dirty="0"/>
-              <a:t> </a:t>
-            </a:r>
-            <a:r>
-              <a:rPr lang="en-US" sz="3350" dirty="0" err="1"/>
-              <a:t>списък</a:t>
-            </a:r>
-            <a:r>
-              <a:rPr lang="en-US" sz="3350" dirty="0"/>
-              <a:t> </a:t>
-            </a:r>
-            <a:r>
-              <a:rPr lang="en-US" sz="3350" dirty="0" err="1"/>
-              <a:t>чрез</a:t>
+              <a:t>Принтиране на списък чрез</a:t>
             </a:r>
             <a:r>
               <a:rPr lang="en-US" sz="3350" dirty="0">
@@ -12420,15 +11941,7 @@
             </a:r>
             <a:r>
               <a:rPr lang="en-US" sz="3350" dirty="0"/>
-              <a:t>-</a:t>
-            </a:r>
-            <a:r>
-              <a:rPr lang="en-US" sz="3350" dirty="0" err="1"/>
-              <a:t>цикъл</a:t>
-            </a:r>
-            <a:r>
-              <a:rPr lang="en-US" sz="3350" dirty="0"/>
-              <a:t>:</a:t>
+              <a:t>-цикъл:</a:t>
             </a:r>
             <a:endParaRPr lang="bg-BG" sz="3350" dirty="0"/>
           </a:p>
@@ -12453,7 +11966,7 @@
           <a:p>
             <a:pPr marL="360045" indent="-360045"/>
             <a:r>
-              <a:rPr lang="en-US" sz="3350" dirty="0" err="1"/>
+              <a:rPr lang="en-US" sz="3350" dirty="0"/>
               <a:t>Принтиране</a:t>
             </a:r>
             <a:r>
@@ -12461,49 +11974,7 @@
                 <a:ea typeface="+mn-lt"/>
                 <a:cs typeface="+mn-lt"/>
               </a:rPr>
-              <a:t> </a:t>
-            </a:r>
-            <a:r>
-              <a:rPr lang="en-US" sz="3350" dirty="0" err="1">
-                <a:ea typeface="+mn-lt"/>
-                <a:cs typeface="+mn-lt"/>
-              </a:rPr>
-              <a:t>на</a:t>
-            </a:r>
-            <a:r>
-              <a:rPr lang="en-US" sz="3350" dirty="0">
-                <a:ea typeface="+mn-lt"/>
-                <a:cs typeface="+mn-lt"/>
-              </a:rPr>
-              <a:t> </a:t>
-            </a:r>
-            <a:r>
-              <a:rPr lang="en-US" sz="3350" dirty="0" err="1">
-                <a:ea typeface="+mn-lt"/>
-                <a:cs typeface="+mn-lt"/>
-              </a:rPr>
-              <a:t>списък</a:t>
-            </a:r>
-            <a:r>
-              <a:rPr lang="en-US" sz="3350" dirty="0">
-                <a:ea typeface="+mn-lt"/>
-                <a:cs typeface="+mn-lt"/>
-              </a:rPr>
-              <a:t> </a:t>
-            </a:r>
-            <a:r>
-              <a:rPr lang="en-US" sz="3350" dirty="0" err="1">
-                <a:ea typeface="+mn-lt"/>
-                <a:cs typeface="+mn-lt"/>
-              </a:rPr>
-              <a:t>чрез</a:t>
-            </a:r>
-            <a:r>
-              <a:rPr lang="en-US" sz="3350" dirty="0">
-                <a:ea typeface="+mn-lt"/>
-                <a:cs typeface="+mn-lt"/>
-              </a:rPr>
-              <a:t> </a:t>
+              <a:t> на списък чрез </a:t>
             </a:r>
             <a:r>
               <a:rPr lang="en-US" sz="3350" b="1" noProof="1">
@@ -12540,42 +12011,10 @@
           <a:lstStyle/>
           <a:p>
             <a:r>
-              <a:rPr lang="en-US" sz="3950" dirty="0" err="1"/>
-              <a:t>Принтиране</a:t>
-            </a:r>
-            <a:r>
               <a:rPr lang="en-US" sz="3950" dirty="0"/>
-              <a:t> </a:t>
-            </a:r>
-            <a:r>
-              <a:rPr lang="en-US" sz="3950" dirty="0" err="1"/>
-              <a:t>на</a:t>
-            </a:r>
-            <a:r>
-              <a:rPr lang="en-US" sz="3950" dirty="0"/>
-              <a:t> </a:t>
-            </a:r>
-            <a:r>
-              <a:rPr lang="en-US" sz="3950" dirty="0" err="1"/>
-              <a:t>списъка</a:t>
-            </a:r>
-            <a:r>
-              <a:rPr lang="en-US" sz="3950" dirty="0"/>
-              <a:t> </a:t>
-            </a:r>
-            <a:r>
-              <a:rPr lang="en-US" sz="3950" dirty="0" err="1"/>
-              <a:t>на</a:t>
-            </a:r>
-            <a:r>
-              <a:rPr lang="en-US" sz="3950" dirty="0"/>
-              <a:t> </a:t>
-            </a:r>
-            <a:r>
-              <a:rPr lang="en-US" sz="3950" dirty="0" err="1"/>
-              <a:t>конзолата</a:t>
-            </a:r>
-            <a:endParaRPr lang="bg-BG" dirty="0" err="1"/>
+              <a:t>Принтиране на списъка на конзолата</a:t>
+            </a:r>
+            <a:endParaRPr lang="bg-BG" dirty="0"/>
           </a:p>
         </p:txBody>
       </p:sp>
@@ -13398,24 +12837,8 @@
           <a:p>
             <a:pPr marL="360045" indent="-360045"/>
             <a:r>
-              <a:rPr lang="en-US" sz="3350" dirty="0" err="1"/>
-              <a:t>Напишете</a:t>
-            </a:r>
-            <a:r>
               <a:rPr lang="en-US" sz="3350" dirty="0"/>
-              <a:t> </a:t>
-            </a:r>
-            <a:r>
-              <a:rPr lang="en-US" sz="3350" dirty="0" err="1"/>
-              <a:t>задача</a:t>
-            </a:r>
-            <a:r>
-              <a:rPr lang="en-US" sz="3350" dirty="0"/>
-              <a:t>, </a:t>
-            </a:r>
-            <a:r>
-              <a:rPr lang="en-US" sz="3350" dirty="0" err="1"/>
-              <a:t>която</a:t>
+              <a:t>Напишете задача, която</a:t>
             </a:r>
             <a:r>
               <a:rPr lang="en-US" sz="3350" dirty="0">
@@ -13426,59 +12849,19 @@
               <a:t> </a:t>
             </a:r>
             <a:r>
-              <a:rPr lang="en-US" sz="3350" b="1" dirty="0" err="1">
+              <a:rPr lang="en-US" sz="3350" b="1" dirty="0">
                 <a:solidFill>
                   <a:schemeClr val="bg1"/>
                 </a:solidFill>
               </a:rPr>
-              <a:t>събира</a:t>
-            </a:r>
-            <a:r>
-              <a:rPr lang="en-US" sz="3350" b="1" dirty="0">
-                <a:solidFill>
-                  <a:schemeClr val="bg1"/>
-                </a:solidFill>
-              </a:rPr>
-              <a:t> </a:t>
-            </a:r>
-            <a:r>
-              <a:rPr lang="en-US" sz="3350" b="1" dirty="0" err="1">
-                <a:solidFill>
-                  <a:schemeClr val="bg1"/>
-                </a:solidFill>
-              </a:rPr>
-              <a:t>всички</a:t>
-            </a:r>
-            <a:r>
-              <a:rPr lang="en-US" sz="3350" b="1" dirty="0">
-                <a:solidFill>
-                  <a:schemeClr val="bg1"/>
-                </a:solidFill>
-              </a:rPr>
-              <a:t> </a:t>
-            </a:r>
-            <a:r>
-              <a:rPr lang="en-US" sz="3350" b="1" dirty="0" err="1">
-                <a:solidFill>
-                  <a:schemeClr val="bg1"/>
-                </a:solidFill>
-              </a:rPr>
-              <a:t>числа</a:t>
-            </a:r>
-            <a:r>
-              <a:rPr lang="en-US" sz="3350" b="1" dirty="0">
-                <a:solidFill>
-                  <a:schemeClr val="bg1"/>
-                </a:solidFill>
-              </a:rPr>
-              <a:t> </a:t>
+              <a:t>събира всички числа </a:t>
             </a:r>
             <a:r>
               <a:rPr lang="en-US" sz="3350" dirty="0"/>
               <a:t>в </a:t>
             </a:r>
             <a:r>
-              <a:rPr lang="en-US" sz="3350" b="1" dirty="0" err="1">
+              <a:rPr lang="en-US" sz="3350" b="1" dirty="0">
                 <a:solidFill>
                   <a:schemeClr val="bg1"/>
                 </a:solidFill>
@@ -13494,28 +12877,7 @@
                 <a:ea typeface="+mn-lt"/>
                 <a:cs typeface="+mn-lt"/>
               </a:rPr>
-              <a:t>в </a:t>
-            </a:r>
-            <a:r>
-              <a:rPr lang="en-US" sz="3350" dirty="0" err="1">
-                <a:ea typeface="+mn-lt"/>
-                <a:cs typeface="+mn-lt"/>
-              </a:rPr>
-              <a:t>следният</a:t>
-            </a:r>
-            <a:r>
-              <a:rPr lang="en-US" sz="3350" dirty="0">
-                <a:ea typeface="+mn-lt"/>
-                <a:cs typeface="+mn-lt"/>
-              </a:rPr>
-              <a:t> </a:t>
-            </a:r>
-            <a:r>
-              <a:rPr lang="en-US" sz="3350" dirty="0" err="1">
-                <a:ea typeface="+mn-lt"/>
-                <a:cs typeface="+mn-lt"/>
-              </a:rPr>
-              <a:t>ред</a:t>
+              <a:t>в следният ред</a:t>
             </a:r>
             <a:r>
               <a:rPr lang="en-US" sz="3350" dirty="0"/>
@@ -13526,113 +12888,66 @@
           <a:p>
             <a:pPr lvl="1" indent="-360045"/>
             <a:r>
-              <a:rPr lang="en-US" sz="3150" dirty="0" err="1"/>
-              <a:t>първи</a:t>
-            </a:r>
-            <a:r>
               <a:rPr lang="en-US" sz="3150" dirty="0"/>
-              <a:t> + </a:t>
-            </a:r>
-            <a:r>
-              <a:rPr lang="en-US" sz="3150" dirty="0" err="1"/>
-              <a:t>последен</a:t>
-            </a:r>
-            <a:r>
-              <a:rPr lang="en-US" sz="3150" dirty="0"/>
-              <a:t>, </a:t>
-            </a:r>
-            <a:r>
-              <a:rPr lang="en-US" sz="3150" dirty="0" err="1">
-                <a:ea typeface="+mn-lt"/>
-                <a:cs typeface="+mn-lt"/>
-              </a:rPr>
-              <a:t>първи</a:t>
+              <a:t>първи + последен, </a:t>
             </a:r>
             <a:r>
               <a:rPr lang="en-US" sz="3150" dirty="0">
                 <a:ea typeface="+mn-lt"/>
                 <a:cs typeface="+mn-lt"/>
               </a:rPr>
-              <a:t> </a:t>
+              <a:t>първи </a:t>
             </a:r>
             <a:r>
               <a:rPr lang="en-US" sz="3150" dirty="0"/>
               <a:t>+ 1 + </a:t>
-            </a:r>
-            <a:r>
-              <a:rPr lang="en-US" sz="3150" dirty="0" err="1">
-                <a:ea typeface="+mn-lt"/>
-                <a:cs typeface="+mn-lt"/>
-              </a:rPr>
-              <a:t>последен</a:t>
-            </a:r>
-            <a:r>
-              <a:rPr lang="en-US" sz="3150" dirty="0"/>
-              <a:t>- 1, </a:t>
-            </a:r>
-            <a:r>
-              <a:rPr lang="en-US" sz="3150" dirty="0" err="1">
-                <a:ea typeface="+mn-lt"/>
-                <a:cs typeface="+mn-lt"/>
-              </a:rPr>
-              <a:t>първи</a:t>
             </a:r>
             <a:r>
               <a:rPr lang="en-US" sz="3150" dirty="0">
                 <a:ea typeface="+mn-lt"/>
                 <a:cs typeface="+mn-lt"/>
               </a:rPr>
-              <a:t> </a:t>
+              <a:t>последен</a:t>
             </a:r>
             <a:r>
               <a:rPr lang="en-US" sz="3150" dirty="0"/>
-              <a:t>+ 2 +</a:t>
+              <a:t>- 1, </a:t>
             </a:r>
             <a:r>
               <a:rPr lang="en-US" sz="3150" dirty="0">
                 <a:ea typeface="+mn-lt"/>
                 <a:cs typeface="+mn-lt"/>
               </a:rPr>
-              <a:t> </a:t>
-            </a:r>
-            <a:r>
-              <a:rPr lang="en-US" sz="3150" dirty="0" err="1">
-                <a:ea typeface="+mn-lt"/>
-                <a:cs typeface="+mn-lt"/>
-              </a:rPr>
-              <a:t>последен</a:t>
+              <a:t>първи </a:t>
+            </a:r>
+            <a:r>
+              <a:rPr lang="en-US" sz="3150" dirty="0"/>
+              <a:t>+ 2 +</a:t>
             </a:r>
             <a:r>
               <a:rPr lang="en-US" sz="3150" dirty="0">
                 <a:ea typeface="+mn-lt"/>
                 <a:cs typeface="+mn-lt"/>
               </a:rPr>
-              <a:t>-</a:t>
+              <a:t> последен-</a:t>
             </a:r>
             <a:r>
               <a:rPr lang="en-US" sz="3150" dirty="0"/>
               <a:t> 2, … </a:t>
-            </a:r>
-            <a:r>
-              <a:rPr lang="en-US" sz="3150" dirty="0" err="1">
-                <a:ea typeface="+mn-lt"/>
-                <a:cs typeface="+mn-lt"/>
-              </a:rPr>
-              <a:t>първи</a:t>
             </a:r>
             <a:r>
               <a:rPr lang="en-US" sz="3150" dirty="0">
                 <a:ea typeface="+mn-lt"/>
                 <a:cs typeface="+mn-lt"/>
               </a:rPr>
-              <a:t> </a:t>
+              <a:t>първи </a:t>
             </a:r>
             <a:r>
               <a:rPr lang="en-US" sz="3150" dirty="0"/>
               <a:t>+ n, </a:t>
             </a:r>
             <a:r>
-              <a:rPr lang="en-US" sz="3150" dirty="0" err="1">
+              <a:rPr lang="en-US" sz="3150" dirty="0">
                 <a:ea typeface="+mn-lt"/>
                 <a:cs typeface="+mn-lt"/>
               </a:rPr>
@@ -13649,12 +12964,8 @@
           <a:p>
             <a:pPr marL="360045" indent="-360045"/>
             <a:r>
-              <a:rPr lang="en-US" sz="3350" dirty="0" err="1"/>
-              <a:t>Пример</a:t>
-            </a:r>
-            <a:r>
               <a:rPr lang="en-US" sz="3350" dirty="0"/>
-              <a:t>:</a:t>
+              <a:t>Пример:</a:t>
             </a:r>
             <a:endParaRPr lang="en-US" sz="3350" dirty="0">
               <a:cs typeface="Calibri"/>
@@ -13684,49 +12995,17 @@
           <a:lstStyle/>
           <a:p>
             <a:r>
-              <a:rPr lang="en-GB" sz="3950" dirty="0" err="1"/>
-              <a:t>Задача</a:t>
-            </a:r>
-            <a:r>
               <a:rPr lang="en-GB" sz="3950" dirty="0"/>
-              <a:t>: </a:t>
-            </a:r>
-            <a:r>
-              <a:rPr lang="en-GB" sz="3950" dirty="0" err="1">
-                <a:ea typeface="+mj-lt"/>
-                <a:cs typeface="+mj-lt"/>
-              </a:rPr>
-              <a:t>Трикът</a:t>
+              <a:t>Задача: </a:t>
             </a:r>
             <a:r>
               <a:rPr lang="en-GB" sz="3950" dirty="0">
                 <a:ea typeface="+mj-lt"/>
                 <a:cs typeface="+mj-lt"/>
               </a:rPr>
-              <a:t> </a:t>
-            </a:r>
-            <a:r>
-              <a:rPr lang="en-GB" sz="3950" dirty="0" err="1">
-                <a:ea typeface="+mj-lt"/>
-                <a:cs typeface="+mj-lt"/>
-              </a:rPr>
-              <a:t>на</a:t>
-            </a:r>
-            <a:r>
-              <a:rPr lang="en-GB" sz="3950" dirty="0">
-                <a:ea typeface="+mj-lt"/>
-                <a:cs typeface="+mj-lt"/>
-              </a:rPr>
-              <a:t> </a:t>
-            </a:r>
-            <a:r>
-              <a:rPr lang="en-GB" sz="3950" dirty="0" err="1">
-                <a:ea typeface="+mj-lt"/>
-                <a:cs typeface="+mj-lt"/>
-              </a:rPr>
-              <a:t>Гаус</a:t>
-            </a:r>
-            <a:endParaRPr lang="bg-BG" sz="3950" dirty="0" err="1"/>
+              <a:t>Трикът на Гаус</a:t>
+            </a:r>
+            <a:endParaRPr lang="bg-BG" sz="3950" dirty="0"/>
           </a:p>
         </p:txBody>
       </p:sp>
@@ -14474,34 +13753,10 @@
           <a:lstStyle/>
           <a:p>
             <a:r>
-              <a:rPr lang="en-GB" sz="3950" dirty="0" err="1"/>
-              <a:t>Решение</a:t>
-            </a:r>
-            <a:r>
               <a:rPr lang="en-GB" sz="3950" dirty="0"/>
-              <a:t>: </a:t>
-            </a:r>
-            <a:r>
-              <a:rPr lang="en-GB" sz="3950" dirty="0" err="1"/>
-              <a:t>Трикът</a:t>
-            </a:r>
-            <a:r>
-              <a:rPr lang="en-GB" sz="3950" dirty="0"/>
-              <a:t> </a:t>
-            </a:r>
-            <a:r>
-              <a:rPr lang="en-GB" sz="3950" dirty="0" err="1"/>
-              <a:t>на</a:t>
-            </a:r>
-            <a:r>
-              <a:rPr lang="en-GB" sz="3950" dirty="0"/>
-              <a:t> </a:t>
-            </a:r>
-            <a:r>
-              <a:rPr lang="en-GB" sz="3950" dirty="0" err="1"/>
-              <a:t>Гаус</a:t>
-            </a:r>
-            <a:endParaRPr lang="en-GB" sz="3950" b="0" dirty="0" err="1">
+              <a:t>Решение: Трикът на Гаус</a:t>
+            </a:r>
+            <a:endParaRPr lang="en-GB" sz="3950" b="0" dirty="0">
               <a:ea typeface="+mj-lt"/>
               <a:cs typeface="+mj-lt"/>
             </a:endParaRPr>
@@ -14538,32 +13793,11 @@
           <a:p>
             <a:pPr algn="ctr"/>
             <a:r>
-              <a:rPr lang="en-US" sz="1950" dirty="0" err="1">
-                <a:ea typeface="+mn-lt"/>
-                <a:cs typeface="+mn-lt"/>
-              </a:rPr>
-              <a:t>Тествайте</a:t>
-            </a:r>
-            <a:r>
               <a:rPr lang="en-US" sz="1950" dirty="0">
                 <a:ea typeface="+mn-lt"/>
                 <a:cs typeface="+mn-lt"/>
               </a:rPr>
-              <a:t> </a:t>
-            </a:r>
-            <a:r>
-              <a:rPr lang="en-US" sz="1950" dirty="0" err="1">
-                <a:ea typeface="+mn-lt"/>
-                <a:cs typeface="+mn-lt"/>
-              </a:rPr>
-              <a:t>решението</a:t>
-            </a:r>
-            <a:r>
-              <a:rPr lang="en-US" sz="1950" dirty="0">
-                <a:ea typeface="+mn-lt"/>
-                <a:cs typeface="+mn-lt"/>
-              </a:rPr>
-              <a:t> в Judge</a:t>
+              <a:t>Тествайте решението в Judge</a:t>
             </a:r>
             <a:r>
               <a:rPr lang="en-US" sz="1950" dirty="0"/>
@@ -14577,9 +13811,9 @@
               <a:rPr lang="en-US" sz="1950" dirty="0">
                 <a:hlinkClick r:id="rId2"/>
               </a:rPr>
-              <a:t>https://judge.softuni.org/Contests/Practice/Index/3171#11</a:t>
-            </a:r>
-            <a:endParaRPr lang="en-US" sz="1950">
+              <a:t>https://judge.softuni.org/Contests/Practice/Index/4150#0</a:t>
+            </a:r>
+            <a:endParaRPr lang="en-US" sz="1950" dirty="0">
               <a:cs typeface="Calibri"/>
             </a:endParaRPr>
           </a:p>
@@ -15343,20 +14577,20 @@
           <a:p>
             <a:pPr marL="360045" indent="-360045"/>
             <a:r>
-              <a:rPr lang="en-US" sz="3350" dirty="0" err="1"/>
-              <a:t>Получавате</a:t>
-            </a:r>
-            <a:r>
               <a:rPr lang="en-US" sz="3350" dirty="0"/>
-              <a:t> </a:t>
-            </a:r>
-            <a:r>
-              <a:rPr lang="en-US" sz="3350" b="1" dirty="0" err="1">
+              <a:t>Получавате </a:t>
+            </a:r>
+            <a:r>
+              <a:rPr lang="en-US" sz="3350" b="1" dirty="0">
                 <a:solidFill>
                   <a:schemeClr val="bg1"/>
                 </a:solidFill>
               </a:rPr>
-              <a:t>два</a:t>
+              <a:t>два списъка с числа</a:t>
+            </a:r>
+            <a:r>
+              <a:rPr lang="en-US" sz="3350" dirty="0"/>
+              <a:t>. Принтирайте </a:t>
             </a:r>
             <a:r>
               <a:rPr lang="en-US" sz="3350" b="1" dirty="0">
@@ -15364,260 +14598,37 @@
                   <a:schemeClr val="bg1"/>
                 </a:solidFill>
               </a:rPr>
-              <a:t> </a:t>
-            </a:r>
-            <a:r>
-              <a:rPr lang="en-US" sz="3350" b="1" dirty="0" err="1">
-                <a:solidFill>
-                  <a:schemeClr val="bg1"/>
-                </a:solidFill>
-              </a:rPr>
-              <a:t>списъка</a:t>
-            </a:r>
-            <a:r>
-              <a:rPr lang="en-US" sz="3350" b="1" dirty="0">
-                <a:solidFill>
-                  <a:schemeClr val="bg1"/>
-                </a:solidFill>
-              </a:rPr>
-              <a:t> с </a:t>
-            </a:r>
-            <a:r>
-              <a:rPr lang="en-US" sz="3350" b="1" dirty="0" err="1">
-                <a:solidFill>
-                  <a:schemeClr val="bg1"/>
-                </a:solidFill>
-              </a:rPr>
-              <a:t>числа</a:t>
+              <a:t>изходен списък, </a:t>
             </a:r>
             <a:r>
               <a:rPr lang="en-US" sz="3350" dirty="0"/>
-              <a:t>. </a:t>
-            </a:r>
-            <a:r>
-              <a:rPr lang="en-US" sz="3350" dirty="0" err="1"/>
-              <a:t>Принтирайте</a:t>
-            </a:r>
-            <a:r>
-              <a:rPr lang="en-US" sz="3350" dirty="0"/>
-              <a:t> </a:t>
-            </a:r>
-            <a:r>
-              <a:rPr lang="en-US" sz="3350" b="1" dirty="0" err="1">
-                <a:solidFill>
-                  <a:schemeClr val="bg1"/>
-                </a:solidFill>
-              </a:rPr>
-              <a:t>изходен</a:t>
-            </a:r>
-            <a:r>
-              <a:rPr lang="en-US" sz="3350" b="1" dirty="0">
-                <a:solidFill>
-                  <a:schemeClr val="bg1"/>
-                </a:solidFill>
-              </a:rPr>
-              <a:t> </a:t>
-            </a:r>
-            <a:r>
-              <a:rPr lang="en-US" sz="3350" b="1" dirty="0" err="1">
-                <a:solidFill>
-                  <a:schemeClr val="bg1"/>
-                </a:solidFill>
-              </a:rPr>
-              <a:t>списък</a:t>
-            </a:r>
-            <a:r>
-              <a:rPr lang="en-US" sz="3350" b="1" dirty="0">
-                <a:solidFill>
-                  <a:schemeClr val="bg1"/>
-                </a:solidFill>
-              </a:rPr>
-              <a:t>, </a:t>
-            </a:r>
-            <a:r>
-              <a:rPr lang="en-US" sz="3350" dirty="0" err="1"/>
-              <a:t>който</a:t>
-            </a:r>
-            <a:r>
-              <a:rPr lang="en-US" sz="3350" dirty="0"/>
-              <a:t> </a:t>
-            </a:r>
-            <a:r>
-              <a:rPr lang="en-US" sz="3350" dirty="0" err="1">
-                <a:ea typeface="+mn-lt"/>
-                <a:cs typeface="+mn-lt"/>
-              </a:rPr>
-              <a:t>да</a:t>
+              <a:t>който </a:t>
             </a:r>
             <a:r>
               <a:rPr lang="en-US" sz="3350" dirty="0">
                 <a:ea typeface="+mn-lt"/>
                 <a:cs typeface="+mn-lt"/>
               </a:rPr>
-              <a:t> </a:t>
-            </a:r>
-            <a:r>
-              <a:rPr lang="en-US" sz="3350" dirty="0" err="1">
-                <a:ea typeface="+mn-lt"/>
-                <a:cs typeface="+mn-lt"/>
-              </a:rPr>
-              <a:t>съдържа</a:t>
-            </a:r>
-            <a:r>
-              <a:rPr lang="en-US" sz="3350" dirty="0">
-                <a:ea typeface="+mn-lt"/>
-                <a:cs typeface="+mn-lt"/>
-              </a:rPr>
-              <a:t> </a:t>
-            </a:r>
-            <a:r>
-              <a:rPr lang="en-US" sz="3350" dirty="0" err="1">
-                <a:ea typeface="+mn-lt"/>
-                <a:cs typeface="+mn-lt"/>
-              </a:rPr>
-              <a:t>всички</a:t>
-            </a:r>
-            <a:r>
-              <a:rPr lang="en-US" sz="3350" dirty="0">
-                <a:ea typeface="+mn-lt"/>
-                <a:cs typeface="+mn-lt"/>
-              </a:rPr>
-              <a:t> </a:t>
-            </a:r>
-            <a:r>
-              <a:rPr lang="en-US" sz="3350" dirty="0" err="1">
-                <a:ea typeface="+mn-lt"/>
-                <a:cs typeface="+mn-lt"/>
-              </a:rPr>
-              <a:t>цифри</a:t>
-            </a:r>
-            <a:r>
-              <a:rPr lang="en-US" sz="3350" dirty="0">
-                <a:ea typeface="+mn-lt"/>
-                <a:cs typeface="+mn-lt"/>
-              </a:rPr>
-              <a:t> </a:t>
-            </a:r>
-            <a:r>
-              <a:rPr lang="en-US" sz="3350" dirty="0" err="1">
-                <a:ea typeface="+mn-lt"/>
-                <a:cs typeface="+mn-lt"/>
-              </a:rPr>
-              <a:t>от</a:t>
-            </a:r>
-            <a:r>
-              <a:rPr lang="en-US" sz="3350" dirty="0">
-                <a:ea typeface="+mn-lt"/>
-                <a:cs typeface="+mn-lt"/>
-              </a:rPr>
-              <a:t> </a:t>
-            </a:r>
-            <a:r>
-              <a:rPr lang="en-US" sz="3350" dirty="0" err="1">
-                <a:ea typeface="+mn-lt"/>
-                <a:cs typeface="+mn-lt"/>
-              </a:rPr>
-              <a:t>двата</a:t>
-            </a:r>
-            <a:r>
-              <a:rPr lang="en-US" sz="3350" dirty="0">
-                <a:ea typeface="+mn-lt"/>
-                <a:cs typeface="+mn-lt"/>
-              </a:rPr>
-              <a:t> </a:t>
-            </a:r>
-            <a:r>
-              <a:rPr lang="en-US" sz="3350" dirty="0" err="1">
-                <a:ea typeface="+mn-lt"/>
-                <a:cs typeface="+mn-lt"/>
-              </a:rPr>
-              <a:t>списъка</a:t>
-            </a:r>
-            <a:r>
-              <a:rPr lang="en-US" sz="3350" dirty="0">
-                <a:ea typeface="+mn-lt"/>
-                <a:cs typeface="+mn-lt"/>
-              </a:rPr>
-              <a:t>.</a:t>
+              <a:t>да съдържа всички цифри от двата списъка.</a:t>
             </a:r>
             <a:endParaRPr lang="bg-BG" sz="3350" dirty="0"/>
           </a:p>
           <a:p>
             <a:pPr lvl="1" indent="-360045"/>
-            <a:r>
-              <a:rPr lang="en-US" sz="3150" dirty="0" err="1">
-                <a:cs typeface="Calibri"/>
-              </a:rPr>
-              <a:t>Ако</a:t>
-            </a:r>
             <a:r>
               <a:rPr lang="en-US" sz="3150" dirty="0">
                 <a:cs typeface="Calibri"/>
               </a:rPr>
-              <a:t> </a:t>
-            </a:r>
-            <a:r>
-              <a:rPr lang="en-US" sz="3150" b="1" dirty="0" err="1">
+              <a:t>Ако </a:t>
+            </a:r>
+            <a:r>
+              <a:rPr lang="en-US" sz="3150" b="1" dirty="0">
                 <a:solidFill>
                   <a:schemeClr val="bg1"/>
                 </a:solidFill>
                 <a:cs typeface="Calibri"/>
               </a:rPr>
-              <a:t>дължините</a:t>
-            </a:r>
-            <a:r>
-              <a:rPr lang="en-US" sz="3150" b="1" dirty="0">
-                <a:solidFill>
-                  <a:schemeClr val="bg1"/>
-                </a:solidFill>
-                <a:cs typeface="Calibri"/>
-              </a:rPr>
-              <a:t> </a:t>
-            </a:r>
-            <a:r>
-              <a:rPr lang="en-US" sz="3150" b="1" dirty="0" err="1">
-                <a:solidFill>
-                  <a:schemeClr val="bg1"/>
-                </a:solidFill>
-                <a:cs typeface="Calibri"/>
-              </a:rPr>
-              <a:t>на</a:t>
-            </a:r>
-            <a:r>
-              <a:rPr lang="en-US" sz="3150" b="1" dirty="0">
-                <a:solidFill>
-                  <a:schemeClr val="bg1"/>
-                </a:solidFill>
-                <a:cs typeface="Calibri"/>
-              </a:rPr>
-              <a:t> </a:t>
-            </a:r>
-            <a:r>
-              <a:rPr lang="en-US" sz="3150" b="1" dirty="0" err="1">
-                <a:solidFill>
-                  <a:schemeClr val="bg1"/>
-                </a:solidFill>
-                <a:cs typeface="Calibri"/>
-              </a:rPr>
-              <a:t>двата</a:t>
-            </a:r>
-            <a:r>
-              <a:rPr lang="en-US" sz="3150" b="1" dirty="0">
-                <a:solidFill>
-                  <a:schemeClr val="bg1"/>
-                </a:solidFill>
-                <a:cs typeface="Calibri"/>
-              </a:rPr>
-              <a:t> </a:t>
-            </a:r>
-            <a:r>
-              <a:rPr lang="en-US" sz="3150" b="1" dirty="0" err="1">
-                <a:solidFill>
-                  <a:schemeClr val="bg1"/>
-                </a:solidFill>
-                <a:cs typeface="Calibri"/>
-              </a:rPr>
-              <a:t>списъка</a:t>
+              <a:t>дължините на двата списъка</a:t>
             </a:r>
             <a:r>
               <a:rPr lang="en-US" sz="3150" dirty="0">
@@ -15626,135 +14637,21 @@
               <a:t> </a:t>
             </a:r>
             <a:r>
-              <a:rPr lang="en-US" sz="3150" b="1" dirty="0" err="1">
+              <a:rPr lang="en-US" sz="3150" b="1" dirty="0">
                 <a:solidFill>
                   <a:schemeClr val="bg1"/>
                 </a:solidFill>
                 <a:cs typeface="Calibri"/>
               </a:rPr>
-              <a:t>не</a:t>
-            </a:r>
-            <a:r>
-              <a:rPr lang="en-US" sz="3150" b="1" dirty="0">
-                <a:solidFill>
-                  <a:schemeClr val="bg1"/>
-                </a:solidFill>
-                <a:cs typeface="Calibri"/>
-              </a:rPr>
-              <a:t> </a:t>
-            </a:r>
-            <a:r>
-              <a:rPr lang="en-US" sz="3150" b="1" dirty="0" err="1">
-                <a:solidFill>
-                  <a:schemeClr val="bg1"/>
-                </a:solidFill>
-                <a:cs typeface="Calibri"/>
-              </a:rPr>
-              <a:t>са</a:t>
-            </a:r>
-            <a:r>
-              <a:rPr lang="en-US" sz="3150" b="1" dirty="0">
-                <a:solidFill>
-                  <a:schemeClr val="bg1"/>
-                </a:solidFill>
-                <a:cs typeface="Calibri"/>
-              </a:rPr>
-              <a:t> </a:t>
-            </a:r>
-            <a:r>
-              <a:rPr lang="en-US" sz="3150" b="1" dirty="0" err="1">
-                <a:solidFill>
-                  <a:schemeClr val="bg1"/>
-                </a:solidFill>
-                <a:cs typeface="Calibri"/>
-              </a:rPr>
-              <a:t>еднакви</a:t>
+              <a:t>не са еднакви</a:t>
             </a:r>
             <a:r>
               <a:rPr lang="en-US" sz="3150" dirty="0">
                 <a:cs typeface="Calibri"/>
               </a:rPr>
-              <a:t> </a:t>
-            </a:r>
-            <a:r>
-              <a:rPr lang="en-US" sz="3150" dirty="0" err="1">
-                <a:cs typeface="Calibri"/>
-              </a:rPr>
-              <a:t>просто</a:t>
-            </a:r>
-            <a:r>
-              <a:rPr lang="en-US" sz="3150" dirty="0">
-                <a:cs typeface="Calibri"/>
-              </a:rPr>
-              <a:t> </a:t>
-            </a:r>
-            <a:r>
-              <a:rPr lang="en-US" sz="3150" dirty="0" err="1">
-                <a:cs typeface="Calibri"/>
-              </a:rPr>
-              <a:t>добавете</a:t>
-            </a:r>
-            <a:r>
-              <a:rPr lang="en-US" sz="3150" dirty="0">
-                <a:cs typeface="Calibri"/>
-              </a:rPr>
-              <a:t> </a:t>
-            </a:r>
-            <a:r>
-              <a:rPr lang="en-US" sz="3150" dirty="0" err="1">
-                <a:cs typeface="Calibri"/>
-              </a:rPr>
-              <a:t>оставащите</a:t>
-            </a:r>
-            <a:r>
-              <a:rPr lang="en-US" sz="3150" dirty="0">
-                <a:cs typeface="Calibri"/>
-              </a:rPr>
-              <a:t> </a:t>
-            </a:r>
-            <a:r>
-              <a:rPr lang="en-US" sz="3150" dirty="0" err="1">
-                <a:cs typeface="Calibri"/>
-              </a:rPr>
-              <a:t>елементи</a:t>
-            </a:r>
-            <a:r>
-              <a:rPr lang="en-US" sz="3150" dirty="0">
-                <a:cs typeface="Calibri"/>
-              </a:rPr>
-              <a:t> в </a:t>
-            </a:r>
-            <a:r>
-              <a:rPr lang="en-US" sz="3150" dirty="0" err="1">
-                <a:cs typeface="Calibri"/>
-              </a:rPr>
-              <a:t>края</a:t>
-            </a:r>
-            <a:r>
-              <a:rPr lang="en-US" sz="3150" dirty="0">
-                <a:cs typeface="Calibri"/>
-              </a:rPr>
-              <a:t> </a:t>
-            </a:r>
-            <a:r>
-              <a:rPr lang="en-US" sz="3150" dirty="0" err="1">
-                <a:cs typeface="Calibri"/>
-              </a:rPr>
-              <a:t>на</a:t>
-            </a:r>
-            <a:r>
-              <a:rPr lang="en-US" sz="3150" dirty="0">
-                <a:cs typeface="Calibri"/>
-              </a:rPr>
-              <a:t> </a:t>
-            </a:r>
-            <a:r>
-              <a:rPr lang="en-US" sz="3150" dirty="0" err="1">
-                <a:cs typeface="Calibri"/>
-              </a:rPr>
-              <a:t>списъка</a:t>
-            </a:r>
-            <a:endParaRPr lang="en-US" sz="3150" dirty="0" err="1"/>
+              <a:t> просто добавете оставащите елементи в края на списъка</a:t>
+            </a:r>
+            <a:endParaRPr lang="en-US" sz="3150" dirty="0"/>
           </a:p>
           <a:p>
             <a:pPr lvl="1" indent="-360045"/>
@@ -15784,34 +14681,10 @@
           <a:lstStyle/>
           <a:p>
             <a:r>
-              <a:rPr lang="en-GB" sz="3950" dirty="0" err="1"/>
-              <a:t>Задача</a:t>
-            </a:r>
-            <a:r>
               <a:rPr lang="en-GB" sz="3950" dirty="0"/>
-              <a:t>: </a:t>
-            </a:r>
-            <a:r>
-              <a:rPr lang="en-GB" sz="3950" dirty="0" err="1"/>
-              <a:t>Обединяване</a:t>
-            </a:r>
-            <a:r>
-              <a:rPr lang="en-GB" sz="3950" dirty="0"/>
-              <a:t> </a:t>
-            </a:r>
-            <a:r>
-              <a:rPr lang="en-GB" sz="3950" dirty="0" err="1"/>
-              <a:t>на</a:t>
-            </a:r>
-            <a:r>
-              <a:rPr lang="en-GB" sz="3950" dirty="0"/>
-              <a:t> </a:t>
-            </a:r>
-            <a:r>
-              <a:rPr lang="en-GB" sz="3950" dirty="0" err="1"/>
-              <a:t>списъци</a:t>
-            </a:r>
-            <a:endParaRPr lang="bg-BG" sz="3950" dirty="0" err="1"/>
+              <a:t>Задача: Обединяване на списъци</a:t>
+            </a:r>
+            <a:endParaRPr lang="bg-BG" sz="3950" dirty="0"/>
           </a:p>
         </p:txBody>
       </p:sp>
@@ -16361,49 +15234,17 @@
           <a:lstStyle/>
           <a:p>
             <a:r>
-              <a:rPr lang="en-GB" sz="3950" dirty="0" err="1"/>
-              <a:t>Решение</a:t>
-            </a:r>
-            <a:r>
               <a:rPr lang="en-GB" sz="3950" dirty="0"/>
-              <a:t>: </a:t>
-            </a:r>
-            <a:r>
-              <a:rPr lang="en-GB" sz="3950" dirty="0" err="1">
-                <a:ea typeface="+mj-lt"/>
-                <a:cs typeface="+mj-lt"/>
-              </a:rPr>
-              <a:t>Обединяване</a:t>
+              <a:t>Решение: </a:t>
             </a:r>
             <a:r>
               <a:rPr lang="en-GB" sz="3950" dirty="0">
                 <a:ea typeface="+mj-lt"/>
                 <a:cs typeface="+mj-lt"/>
               </a:rPr>
-              <a:t> </a:t>
-            </a:r>
-            <a:r>
-              <a:rPr lang="en-GB" sz="3950" dirty="0" err="1">
-                <a:ea typeface="+mj-lt"/>
-                <a:cs typeface="+mj-lt"/>
-              </a:rPr>
-              <a:t>на</a:t>
-            </a:r>
-            <a:r>
-              <a:rPr lang="en-GB" sz="3950" dirty="0">
-                <a:ea typeface="+mj-lt"/>
-                <a:cs typeface="+mj-lt"/>
-              </a:rPr>
-              <a:t> </a:t>
-            </a:r>
-            <a:r>
-              <a:rPr lang="en-GB" sz="3950" dirty="0" err="1">
-                <a:ea typeface="+mj-lt"/>
-                <a:cs typeface="+mj-lt"/>
-              </a:rPr>
-              <a:t>списъци</a:t>
-            </a:r>
-            <a:endParaRPr lang="bg-BG" dirty="0" err="1"/>
+              <a:t>Обединяване на списъци</a:t>
+            </a:r>
+            <a:endParaRPr lang="bg-BG" dirty="0"/>
           </a:p>
         </p:txBody>
       </p:sp>
@@ -17375,47 +16216,15 @@
           <a:lstStyle/>
           <a:p>
             <a:r>
-              <a:rPr lang="en-GB" sz="3950" dirty="0" err="1"/>
-              <a:t>Решение</a:t>
-            </a:r>
-            <a:r>
               <a:rPr lang="en-GB" sz="3950" dirty="0"/>
-              <a:t>: </a:t>
-            </a:r>
-            <a:r>
-              <a:rPr lang="en-GB" sz="3950" dirty="0" err="1">
-                <a:ea typeface="+mj-lt"/>
-                <a:cs typeface="+mj-lt"/>
-              </a:rPr>
-              <a:t>Обединяване</a:t>
+              <a:t>Решение: </a:t>
             </a:r>
             <a:r>
               <a:rPr lang="en-GB" sz="3950" dirty="0">
                 <a:ea typeface="+mj-lt"/>
                 <a:cs typeface="+mj-lt"/>
               </a:rPr>
-              <a:t> </a:t>
-            </a:r>
-            <a:r>
-              <a:rPr lang="en-GB" sz="3950" dirty="0" err="1">
-                <a:ea typeface="+mj-lt"/>
-                <a:cs typeface="+mj-lt"/>
-              </a:rPr>
-              <a:t>на</a:t>
-            </a:r>
-            <a:r>
-              <a:rPr lang="en-GB" sz="3950" dirty="0">
-                <a:ea typeface="+mj-lt"/>
-                <a:cs typeface="+mj-lt"/>
-              </a:rPr>
-              <a:t> </a:t>
-            </a:r>
-            <a:r>
-              <a:rPr lang="en-GB" sz="3950" dirty="0" err="1">
-                <a:ea typeface="+mj-lt"/>
-                <a:cs typeface="+mj-lt"/>
-              </a:rPr>
-              <a:t>списъци</a:t>
+              <a:t>Обединяване на списъци</a:t>
             </a:r>
             <a:r>
               <a:rPr lang="en-GB" sz="3950" dirty="0"/>
@@ -17455,32 +16264,11 @@
           <a:p>
             <a:pPr algn="ctr"/>
             <a:r>
-              <a:rPr lang="en-US" sz="1950" dirty="0" err="1">
-                <a:ea typeface="+mn-lt"/>
-                <a:cs typeface="+mn-lt"/>
-              </a:rPr>
-              <a:t>Тествайте</a:t>
-            </a:r>
-            <a:r>
               <a:rPr lang="en-US" sz="1950" dirty="0">
                 <a:ea typeface="+mn-lt"/>
                 <a:cs typeface="+mn-lt"/>
               </a:rPr>
-              <a:t> </a:t>
-            </a:r>
-            <a:r>
-              <a:rPr lang="en-US" sz="1950" dirty="0" err="1">
-                <a:ea typeface="+mn-lt"/>
-                <a:cs typeface="+mn-lt"/>
-              </a:rPr>
-              <a:t>решението</a:t>
-            </a:r>
-            <a:r>
-              <a:rPr lang="en-US" sz="1950" dirty="0">
-                <a:ea typeface="+mn-lt"/>
-                <a:cs typeface="+mn-lt"/>
-              </a:rPr>
-              <a:t> в Judge</a:t>
+              <a:t>Тествайте решението в Judge</a:t>
             </a:r>
             <a:r>
               <a:rPr lang="en-US" sz="1950" dirty="0"/>
@@ -17494,9 +16282,9 @@
               <a:rPr lang="en-US" sz="1950" dirty="0">
                 <a:hlinkClick r:id="rId3"/>
               </a:rPr>
-              <a:t>https://judge.softuni.org/Contests/Practice/Index/3171#12</a:t>
-            </a:r>
-            <a:endParaRPr lang="en-US" sz="1950">
+              <a:t>https://judge.softuni.org/Contests/Practice/Index/4150#3</a:t>
+            </a:r>
+            <a:endParaRPr lang="en-US" sz="1950" dirty="0">
               <a:cs typeface="Calibri"/>
             </a:endParaRPr>
           </a:p>
@@ -18327,28 +17115,14 @@
           <a:lstStyle/>
           <a:p>
             <a:r>
-              <a:rPr lang="en-US" sz="5350" dirty="0" err="1">
-                <a:ea typeface="+mj-lt"/>
-                <a:cs typeface="+mj-lt"/>
-              </a:rPr>
-              <a:t>Сортиране</a:t>
-            </a:r>
-            <a:r>
               <a:rPr lang="en-US" sz="5350" dirty="0">
                 <a:ea typeface="+mj-lt"/>
                 <a:cs typeface="+mj-lt"/>
               </a:rPr>
-              <a:t> на </a:t>
-            </a:r>
-            <a:r>
-              <a:rPr lang="en-US" sz="5350" dirty="0" err="1">
-                <a:ea typeface="+mj-lt"/>
-                <a:cs typeface="+mj-lt"/>
-              </a:rPr>
-              <a:t>спис</a:t>
-            </a:r>
-            <a:r>
-              <a:rPr lang="bg-BG" sz="5350" dirty="0" err="1">
+              <a:t>Сортиране на спис</a:t>
+            </a:r>
+            <a:r>
+              <a:rPr lang="bg-BG" sz="5350" dirty="0">
                 <a:ea typeface="+mj-lt"/>
                 <a:cs typeface="+mj-lt"/>
               </a:rPr>
@@ -18359,28 +17133,7 @@
                 <a:ea typeface="+mj-lt"/>
                 <a:cs typeface="+mj-lt"/>
               </a:rPr>
-              <a:t> </a:t>
-            </a:r>
-            <a:r>
-              <a:rPr lang="en-US" sz="5350" dirty="0" err="1">
-                <a:ea typeface="+mj-lt"/>
-                <a:cs typeface="+mj-lt"/>
-              </a:rPr>
-              <a:t>и</a:t>
-            </a:r>
-            <a:r>
-              <a:rPr lang="en-US" sz="5350" dirty="0">
-                <a:ea typeface="+mj-lt"/>
-                <a:cs typeface="+mj-lt"/>
-              </a:rPr>
-              <a:t> </a:t>
-            </a:r>
-            <a:r>
-              <a:rPr lang="en-US" sz="5350" dirty="0" err="1">
-                <a:ea typeface="+mj-lt"/>
-                <a:cs typeface="+mj-lt"/>
-              </a:rPr>
-              <a:t>масив</a:t>
+              <a:t> и масив</a:t>
             </a:r>
             <a:r>
               <a:rPr lang="bg-BG" sz="5350" dirty="0">
@@ -18926,20 +17679,12 @@
               </a:buClr>
             </a:pPr>
             <a:r>
-              <a:rPr lang="en-US" sz="3000" b="1" dirty="0" err="1">
+              <a:rPr lang="en-US" sz="3000" b="1" dirty="0">
                 <a:solidFill>
                   <a:schemeClr val="bg1"/>
                 </a:solidFill>
               </a:rPr>
-              <a:t>Сортиране</a:t>
-            </a:r>
-            <a:r>
-              <a:rPr lang="en-US" sz="3000" b="1" dirty="0">
-                <a:solidFill>
-                  <a:schemeClr val="bg1"/>
-                </a:solidFill>
-              </a:rPr>
-              <a:t> на</a:t>
+              <a:t>Сортиране на</a:t>
             </a:r>
             <a:r>
               <a:rPr lang="en-US" sz="3000" b="1" dirty="0">
@@ -18949,47 +17694,11 @@
                 <a:ea typeface="+mn-lt"/>
                 <a:cs typeface="+mn-lt"/>
               </a:rPr>
-              <a:t> </a:t>
-            </a:r>
-            <a:r>
-              <a:rPr lang="en-US" sz="3000" b="1" dirty="0" err="1">
-                <a:solidFill>
-                  <a:schemeClr val="bg1"/>
-                </a:solidFill>
-                <a:ea typeface="+mn-lt"/>
-                <a:cs typeface="+mn-lt"/>
-              </a:rPr>
-              <a:t>списъци</a:t>
-            </a:r>
-            <a:r>
-              <a:rPr lang="en-US" sz="3000" b="1" dirty="0">
-                <a:solidFill>
-                  <a:schemeClr val="bg1"/>
-                </a:solidFill>
-                <a:ea typeface="+mn-lt"/>
-                <a:cs typeface="+mn-lt"/>
-              </a:rPr>
-              <a:t> </a:t>
+              <a:t> списъци </a:t>
             </a:r>
             <a:r>
               <a:rPr lang="en-US" sz="3000" dirty="0"/>
-              <a:t>== </a:t>
-            </a:r>
-            <a:r>
-              <a:rPr lang="en-US" sz="3000" dirty="0" err="1"/>
-              <a:t>пренареждане</a:t>
-            </a:r>
-            <a:r>
-              <a:rPr lang="en-US" sz="3000" dirty="0"/>
-              <a:t> на </a:t>
-            </a:r>
-            <a:r>
-              <a:rPr lang="en-US" sz="3000" dirty="0" err="1"/>
-              <a:t>елементите</a:t>
-            </a:r>
-            <a:r>
-              <a:rPr lang="en-US" sz="3000" dirty="0"/>
-              <a:t>:</a:t>
+              <a:t>== пренареждане на елементите:</a:t>
             </a:r>
             <a:r>
               <a:rPr lang="bg-BG" sz="3000" dirty="0"/>
@@ -19029,103 +17738,15 @@
               </a:lnSpc>
             </a:pPr>
             <a:r>
-              <a:rPr lang="en-US" sz="3000" dirty="0" err="1">
+              <a:rPr lang="en-US" sz="3000" dirty="0">
                 <a:solidFill>
                   <a:srgbClr val="234465"/>
                 </a:solidFill>
               </a:rPr>
-              <a:t>Елементите</a:t>
-            </a:r>
-            <a:r>
-              <a:rPr lang="en-US" sz="3000" dirty="0">
-                <a:solidFill>
-                  <a:srgbClr val="234465"/>
-                </a:solidFill>
-              </a:rPr>
-              <a:t> </a:t>
-            </a:r>
-            <a:r>
-              <a:rPr lang="en-US" sz="3000" dirty="0" err="1">
-                <a:solidFill>
-                  <a:srgbClr val="234465"/>
-                </a:solidFill>
-              </a:rPr>
-              <a:t>трябва</a:t>
-            </a:r>
-            <a:r>
-              <a:rPr lang="en-US" sz="3000" dirty="0">
-                <a:solidFill>
-                  <a:srgbClr val="234465"/>
-                </a:solidFill>
-              </a:rPr>
-              <a:t> </a:t>
-            </a:r>
-            <a:r>
-              <a:rPr lang="en-US" sz="3000" dirty="0" err="1">
-                <a:solidFill>
-                  <a:srgbClr val="234465"/>
-                </a:solidFill>
-              </a:rPr>
-              <a:t>да</a:t>
-            </a:r>
-            <a:r>
-              <a:rPr lang="en-US" sz="3000" dirty="0">
-                <a:solidFill>
-                  <a:srgbClr val="234465"/>
-                </a:solidFill>
-              </a:rPr>
-              <a:t> </a:t>
-            </a:r>
-            <a:r>
-              <a:rPr lang="en-US" sz="3000" dirty="0" err="1">
-                <a:solidFill>
-                  <a:srgbClr val="234465"/>
-                </a:solidFill>
-              </a:rPr>
-              <a:t>могат</a:t>
-            </a:r>
-            <a:r>
-              <a:rPr lang="en-US" sz="3000" dirty="0">
-                <a:solidFill>
-                  <a:srgbClr val="234465"/>
-                </a:solidFill>
-              </a:rPr>
-              <a:t> </a:t>
-            </a:r>
-            <a:r>
-              <a:rPr lang="en-US" sz="3000" dirty="0" err="1">
-                <a:solidFill>
-                  <a:srgbClr val="234465"/>
-                </a:solidFill>
-              </a:rPr>
-              <a:t>да</a:t>
-            </a:r>
-            <a:r>
-              <a:rPr lang="en-US" sz="3000" dirty="0">
-                <a:solidFill>
-                  <a:srgbClr val="234465"/>
-                </a:solidFill>
-              </a:rPr>
-              <a:t> </a:t>
-            </a:r>
-            <a:r>
-              <a:rPr lang="en-US" sz="3000" dirty="0" err="1">
-                <a:solidFill>
-                  <a:srgbClr val="234465"/>
-                </a:solidFill>
-              </a:rPr>
-              <a:t>се</a:t>
-            </a:r>
-            <a:r>
-              <a:rPr lang="en-US" sz="3000" dirty="0">
-                <a:solidFill>
-                  <a:srgbClr val="234465"/>
-                </a:solidFill>
-              </a:rPr>
-              <a:t> </a:t>
-            </a:r>
-            <a:r>
-              <a:rPr lang="en-US" sz="3000" b="1" dirty="0" err="1">
+              <a:t>Елементите трябва да могат да се </a:t>
+            </a:r>
+            <a:r>
+              <a:rPr lang="en-US" sz="3000" b="1" dirty="0">
                 <a:solidFill>
                   <a:schemeClr val="bg1"/>
                 </a:solidFill>
@@ -19134,39 +17755,7 @@
             </a:r>
             <a:r>
               <a:rPr lang="en-US" sz="3000" dirty="0"/>
-              <a:t>, </a:t>
-            </a:r>
-            <a:r>
-              <a:rPr lang="en-US" sz="3000" dirty="0" err="1"/>
-              <a:t>например</a:t>
-            </a:r>
-            <a:r>
-              <a:rPr lang="en-US" sz="3000" dirty="0"/>
-              <a:t> </a:t>
-            </a:r>
-            <a:r>
-              <a:rPr lang="en-US" sz="3000" dirty="0" err="1"/>
-              <a:t>числа</a:t>
-            </a:r>
-            <a:r>
-              <a:rPr lang="en-US" sz="3000" dirty="0"/>
-              <a:t>, </a:t>
-            </a:r>
-            <a:r>
-              <a:rPr lang="en-US" sz="3000" dirty="0" err="1"/>
-              <a:t>низове</a:t>
-            </a:r>
-            <a:r>
-              <a:rPr lang="en-US" sz="3000" dirty="0"/>
-              <a:t>, </a:t>
-            </a:r>
-            <a:r>
-              <a:rPr lang="en-US" sz="3000" dirty="0" err="1"/>
-              <a:t>дати</a:t>
-            </a:r>
-            <a:r>
-              <a:rPr lang="en-US" sz="3000" dirty="0"/>
-              <a:t>, …</a:t>
+              <a:t>, например числа, низове, дати, …</a:t>
             </a:r>
             <a:endParaRPr lang="en-US" sz="3000" dirty="0">
               <a:cs typeface="Calibri"/>
@@ -19190,26 +17779,10 @@
           <a:lstStyle/>
           <a:p>
             <a:r>
-              <a:rPr lang="en-GB" sz="3950" dirty="0" err="1"/>
-              <a:t>Сортиране</a:t>
-            </a:r>
-            <a:r>
               <a:rPr lang="en-GB" sz="3950" dirty="0"/>
-              <a:t> </a:t>
-            </a:r>
-            <a:r>
-              <a:rPr lang="en-GB" sz="3950" dirty="0" err="1"/>
-              <a:t>на</a:t>
-            </a:r>
-            <a:r>
-              <a:rPr lang="en-GB" sz="3950" dirty="0"/>
-              <a:t> </a:t>
-            </a:r>
-            <a:r>
-              <a:rPr lang="en-GB" sz="3950" dirty="0" err="1"/>
-              <a:t>списъци</a:t>
-            </a:r>
-            <a:endParaRPr lang="bg-BG" dirty="0" err="1"/>
+              <a:t>Сортиране на списъци</a:t>
+            </a:r>
+            <a:endParaRPr lang="bg-BG" dirty="0"/>
           </a:p>
         </p:txBody>
       </p:sp>
@@ -20241,25 +18814,11 @@
               <a:buChar char="§"/>
             </a:pPr>
             <a:r>
-              <a:rPr lang="en-US" sz="3600" dirty="0" err="1">
-                <a:ea typeface="+mn-lt"/>
-                <a:cs typeface="+mn-lt"/>
-              </a:rPr>
-              <a:t>Прочетете</a:t>
-            </a:r>
-            <a:r>
               <a:rPr lang="en-US" sz="3600" dirty="0">
                 <a:ea typeface="+mn-lt"/>
                 <a:cs typeface="+mn-lt"/>
               </a:rPr>
-              <a:t> </a:t>
-            </a:r>
-            <a:r>
-              <a:rPr lang="en-US" sz="3600" dirty="0" err="1">
-                <a:ea typeface="+mn-lt"/>
-                <a:cs typeface="+mn-lt"/>
-              </a:rPr>
-              <a:t>числото</a:t>
+              <a:t>Прочетете числото</a:t>
             </a:r>
             <a:r>
               <a:rPr lang="en-US" sz="3600" b="1" dirty="0">
@@ -20283,86 +18842,9 @@
                 <a:ea typeface="+mn-lt"/>
                 <a:cs typeface="+mn-lt"/>
               </a:rPr>
-              <a:t> и </a:t>
-            </a:r>
-            <a:r>
-              <a:rPr lang="en-US" sz="3600" dirty="0" err="1">
-                <a:ea typeface="+mn-lt"/>
-                <a:cs typeface="+mn-lt"/>
-              </a:rPr>
-              <a:t>след</a:t>
-            </a:r>
-            <a:r>
-              <a:rPr lang="en-US" sz="3600" dirty="0">
-                <a:ea typeface="+mn-lt"/>
-                <a:cs typeface="+mn-lt"/>
-              </a:rPr>
-              <a:t> </a:t>
-            </a:r>
-            <a:r>
-              <a:rPr lang="en-US" sz="3600" dirty="0" err="1">
-                <a:ea typeface="+mn-lt"/>
-                <a:cs typeface="+mn-lt"/>
-              </a:rPr>
-              <a:t>това</a:t>
-            </a:r>
-            <a:r>
-              <a:rPr lang="en-US" sz="3600" dirty="0">
-                <a:ea typeface="+mn-lt"/>
-                <a:cs typeface="+mn-lt"/>
-              </a:rPr>
-              <a:t> n </a:t>
-            </a:r>
-            <a:r>
-              <a:rPr lang="en-US" sz="3600" dirty="0" err="1">
-                <a:ea typeface="+mn-lt"/>
-                <a:cs typeface="+mn-lt"/>
-              </a:rPr>
-              <a:t>на</a:t>
-            </a:r>
-            <a:r>
-              <a:rPr lang="en-US" sz="3600" dirty="0">
-                <a:ea typeface="+mn-lt"/>
-                <a:cs typeface="+mn-lt"/>
-              </a:rPr>
-              <a:t> </a:t>
-            </a:r>
-            <a:r>
-              <a:rPr lang="en-US" sz="3600" dirty="0" err="1">
-                <a:ea typeface="+mn-lt"/>
-                <a:cs typeface="+mn-lt"/>
-              </a:rPr>
-              <a:t>брой</a:t>
-            </a:r>
-            <a:r>
-              <a:rPr lang="en-US" sz="3600" dirty="0">
-                <a:ea typeface="+mn-lt"/>
-                <a:cs typeface="+mn-lt"/>
-              </a:rPr>
-              <a:t> </a:t>
-            </a:r>
-            <a:r>
-              <a:rPr lang="en-US" sz="3600" dirty="0" err="1">
-                <a:ea typeface="+mn-lt"/>
-                <a:cs typeface="+mn-lt"/>
-              </a:rPr>
-              <a:t>редове</a:t>
-            </a:r>
-            <a:r>
-              <a:rPr lang="en-US" sz="3600" dirty="0">
-                <a:ea typeface="+mn-lt"/>
-                <a:cs typeface="+mn-lt"/>
-              </a:rPr>
-              <a:t> </a:t>
-            </a:r>
-            <a:r>
-              <a:rPr lang="en-US" sz="3600" dirty="0" err="1">
-                <a:ea typeface="+mn-lt"/>
-                <a:cs typeface="+mn-lt"/>
-              </a:rPr>
-              <a:t>от</a:t>
-            </a:r>
-            <a:endParaRPr lang="bg-BG" dirty="0" err="1">
+              <a:t> и след това n на брой редове от</a:t>
+            </a:r>
+            <a:endParaRPr lang="bg-BG" dirty="0">
               <a:solidFill>
                 <a:srgbClr val="FFA000"/>
               </a:solidFill>
@@ -20382,7 +18864,7 @@
               <a:t> </a:t>
             </a:r>
             <a:r>
-              <a:rPr lang="en-US" sz="3600" b="1" dirty="0" err="1">
+              <a:rPr lang="en-US" sz="3600" b="1" dirty="0">
                 <a:solidFill>
                   <a:schemeClr val="bg1"/>
                 </a:solidFill>
@@ -20391,7 +18873,7 @@
               </a:rPr>
               <a:t>продукти</a:t>
             </a:r>
-            <a:endParaRPr lang="bg-BG" b="1" dirty="0" err="1">
+            <a:endParaRPr lang="bg-BG" b="1" dirty="0">
               <a:solidFill>
                 <a:schemeClr val="bg1"/>
               </a:solidFill>
@@ -20400,215 +18882,50 @@
           <a:p>
             <a:pPr lvl="1" indent="-360045"/>
             <a:r>
-              <a:rPr lang="en-US" sz="3400" dirty="0" err="1">
-                <a:ea typeface="+mn-lt"/>
-                <a:cs typeface="+mn-lt"/>
-              </a:rPr>
-              <a:t>Принтирайте</a:t>
-            </a:r>
-            <a:r>
               <a:rPr lang="en-US" sz="3400" dirty="0">
                 <a:ea typeface="+mn-lt"/>
                 <a:cs typeface="+mn-lt"/>
               </a:rPr>
-              <a:t> </a:t>
-            </a:r>
-            <a:r>
-              <a:rPr lang="en-US" sz="3400" b="1" dirty="0" err="1">
+              <a:t>Принтирайте </a:t>
+            </a:r>
+            <a:r>
+              <a:rPr lang="en-US" sz="3400" b="1" dirty="0">
                 <a:solidFill>
                   <a:schemeClr val="bg1"/>
                 </a:solidFill>
                 <a:ea typeface="+mn-lt"/>
                 <a:cs typeface="+mn-lt"/>
               </a:rPr>
-              <a:t>номериран</a:t>
-            </a:r>
-            <a:r>
-              <a:rPr lang="en-US" sz="3400" b="1" dirty="0">
-                <a:solidFill>
-                  <a:schemeClr val="bg1"/>
-                </a:solidFill>
-                <a:ea typeface="+mn-lt"/>
-                <a:cs typeface="+mn-lt"/>
-              </a:rPr>
-              <a:t> </a:t>
-            </a:r>
-            <a:r>
-              <a:rPr lang="en-US" sz="3400" b="1" dirty="0" err="1">
-                <a:solidFill>
-                  <a:schemeClr val="bg1"/>
-                </a:solidFill>
-                <a:ea typeface="+mn-lt"/>
-                <a:cs typeface="+mn-lt"/>
-              </a:rPr>
-              <a:t>списък</a:t>
+              <a:t>номериран списък</a:t>
             </a:r>
             <a:r>
               <a:rPr lang="en-US" sz="3400" dirty="0">
                 <a:ea typeface="+mn-lt"/>
                 <a:cs typeface="+mn-lt"/>
               </a:rPr>
-              <a:t>, </a:t>
-            </a:r>
-            <a:r>
-              <a:rPr lang="en-US" sz="3400" dirty="0" err="1">
+              <a:t>, който съдържа всички продукти подредени по име и</a:t>
+            </a:r>
+            <a:r>
+              <a:rPr lang="en-US" sz="3400" dirty="0">
+                <a:solidFill>
+                  <a:srgbClr val="234465"/>
+                </a:solidFill>
                 <a:ea typeface="+mn-lt"/>
                 <a:cs typeface="+mn-lt"/>
               </a:rPr>
-              <a:t>който</a:t>
-            </a:r>
-            <a:r>
-              <a:rPr lang="en-US" sz="3400" dirty="0">
+              <a:t> </a:t>
+            </a:r>
+            <a:r>
+              <a:rPr lang="en-US" sz="3400" b="1" dirty="0">
+                <a:solidFill>
+                  <a:schemeClr val="bg1"/>
+                </a:solidFill>
                 <a:ea typeface="+mn-lt"/>
                 <a:cs typeface="+mn-lt"/>
               </a:rPr>
-              <a:t> </a:t>
-            </a:r>
-            <a:r>
-              <a:rPr lang="en-US" sz="3400" dirty="0" err="1">
-                <a:ea typeface="+mn-lt"/>
-                <a:cs typeface="+mn-lt"/>
-              </a:rPr>
-              <a:t>съдържа</a:t>
-            </a:r>
-            <a:r>
-              <a:rPr lang="en-US" sz="3400" dirty="0">
-                <a:ea typeface="+mn-lt"/>
-                <a:cs typeface="+mn-lt"/>
-              </a:rPr>
-              <a:t> </a:t>
-            </a:r>
-            <a:r>
-              <a:rPr lang="en-US" sz="3400" dirty="0" err="1">
-                <a:ea typeface="+mn-lt"/>
-                <a:cs typeface="+mn-lt"/>
-              </a:rPr>
-              <a:t>всички</a:t>
-            </a:r>
-            <a:r>
-              <a:rPr lang="en-US" sz="3400" dirty="0">
-                <a:ea typeface="+mn-lt"/>
-                <a:cs typeface="+mn-lt"/>
-              </a:rPr>
-              <a:t> </a:t>
-            </a:r>
-            <a:r>
-              <a:rPr lang="en-US" sz="3400" dirty="0" err="1">
-                <a:ea typeface="+mn-lt"/>
-                <a:cs typeface="+mn-lt"/>
-              </a:rPr>
-              <a:t>продукти</a:t>
-            </a:r>
-            <a:r>
-              <a:rPr lang="en-US" sz="3400" dirty="0">
-                <a:ea typeface="+mn-lt"/>
-                <a:cs typeface="+mn-lt"/>
-              </a:rPr>
-              <a:t> </a:t>
-            </a:r>
-            <a:r>
-              <a:rPr lang="en-US" sz="3400" dirty="0" err="1">
-                <a:ea typeface="+mn-lt"/>
-                <a:cs typeface="+mn-lt"/>
-              </a:rPr>
-              <a:t>подредени</a:t>
-            </a:r>
-            <a:r>
-              <a:rPr lang="en-US" sz="3400" dirty="0">
-                <a:ea typeface="+mn-lt"/>
-                <a:cs typeface="+mn-lt"/>
-              </a:rPr>
-              <a:t> </a:t>
-            </a:r>
-            <a:r>
-              <a:rPr lang="en-US" sz="3400" dirty="0" err="1">
-                <a:ea typeface="+mn-lt"/>
-                <a:cs typeface="+mn-lt"/>
-              </a:rPr>
-              <a:t>по</a:t>
-            </a:r>
-            <a:r>
-              <a:rPr lang="en-US" sz="3400" dirty="0">
-                <a:ea typeface="+mn-lt"/>
-                <a:cs typeface="+mn-lt"/>
-              </a:rPr>
-              <a:t> </a:t>
-            </a:r>
-            <a:r>
-              <a:rPr lang="en-US" sz="3400" dirty="0" err="1">
-                <a:ea typeface="+mn-lt"/>
-                <a:cs typeface="+mn-lt"/>
-              </a:rPr>
-              <a:t>име</a:t>
-            </a:r>
-            <a:r>
-              <a:rPr lang="en-US" sz="3400" dirty="0">
-                <a:ea typeface="+mn-lt"/>
-                <a:cs typeface="+mn-lt"/>
-              </a:rPr>
-              <a:t> и</a:t>
-            </a:r>
-            <a:r>
-              <a:rPr lang="en-US" sz="3400" dirty="0">
-                <a:solidFill>
-                  <a:srgbClr val="234465"/>
-                </a:solidFill>
-                <a:ea typeface="+mn-lt"/>
-                <a:cs typeface="+mn-lt"/>
-              </a:rPr>
-              <a:t> </a:t>
-            </a:r>
-            <a:r>
-              <a:rPr lang="en-US" sz="3400" b="1" dirty="0" err="1">
-                <a:solidFill>
-                  <a:schemeClr val="bg1"/>
-                </a:solidFill>
-                <a:ea typeface="+mn-lt"/>
-                <a:cs typeface="+mn-lt"/>
-              </a:rPr>
-              <a:t>по</a:t>
-            </a:r>
-            <a:r>
-              <a:rPr lang="en-US" sz="3400" b="1" dirty="0">
-                <a:solidFill>
-                  <a:schemeClr val="bg1"/>
-                </a:solidFill>
-                <a:ea typeface="+mn-lt"/>
-                <a:cs typeface="+mn-lt"/>
-              </a:rPr>
-              <a:t> </a:t>
-            </a:r>
-            <a:r>
-              <a:rPr lang="en-US" sz="3400" b="1" dirty="0" err="1">
-                <a:solidFill>
-                  <a:schemeClr val="bg1"/>
-                </a:solidFill>
-                <a:ea typeface="+mn-lt"/>
-                <a:cs typeface="+mn-lt"/>
-              </a:rPr>
-              <a:t>азбучен</a:t>
-            </a:r>
-            <a:r>
-              <a:rPr lang="en-US" sz="3400" b="1" dirty="0">
-                <a:solidFill>
-                  <a:schemeClr val="bg1"/>
-                </a:solidFill>
-                <a:ea typeface="+mn-lt"/>
-                <a:cs typeface="+mn-lt"/>
-              </a:rPr>
-              <a:t> </a:t>
-            </a:r>
-            <a:r>
-              <a:rPr lang="en-US" sz="3400" b="1" dirty="0" err="1">
-                <a:solidFill>
-                  <a:schemeClr val="bg1"/>
-                </a:solidFill>
-                <a:ea typeface="+mn-lt"/>
-                <a:cs typeface="+mn-lt"/>
-              </a:rPr>
-              <a:t>ред</a:t>
-            </a:r>
-            <a:endParaRPr lang="en-US" sz="3400" b="1" dirty="0" err="1">
+              <a:t>по азбучен ред</a:t>
+            </a:r>
+            <a:endParaRPr lang="en-US" sz="3400" b="1" dirty="0">
               <a:solidFill>
                 <a:schemeClr val="bg1"/>
               </a:solidFill>
@@ -20642,34 +18959,10 @@
           <a:lstStyle/>
           <a:p>
             <a:r>
-              <a:rPr lang="en-GB" sz="3950" dirty="0" err="1"/>
-              <a:t>Задача</a:t>
-            </a:r>
-            <a:r>
               <a:rPr lang="en-GB" sz="3950" dirty="0"/>
-              <a:t>: </a:t>
-            </a:r>
-            <a:r>
-              <a:rPr lang="en-GB" sz="3950" dirty="0" err="1"/>
-              <a:t>Списък</a:t>
-            </a:r>
-            <a:r>
-              <a:rPr lang="en-GB" sz="3950" dirty="0"/>
-              <a:t> </a:t>
-            </a:r>
-            <a:r>
-              <a:rPr lang="en-GB" sz="3950" dirty="0" err="1"/>
-              <a:t>от</a:t>
-            </a:r>
-            <a:r>
-              <a:rPr lang="en-GB" sz="3950" dirty="0"/>
-              <a:t> </a:t>
-            </a:r>
-            <a:r>
-              <a:rPr lang="en-GB" sz="3950" dirty="0" err="1"/>
-              <a:t>продукти</a:t>
-            </a:r>
-            <a:endParaRPr lang="bg-BG" sz="3950" dirty="0" err="1"/>
+              <a:t>Задача: Списък от продукти</a:t>
+            </a:r>
+            <a:endParaRPr lang="bg-BG" sz="3950" dirty="0"/>
           </a:p>
         </p:txBody>
       </p:sp>
@@ -21546,49 +19839,17 @@
           <a:lstStyle/>
           <a:p>
             <a:r>
-              <a:rPr lang="en-GB" sz="3950" dirty="0" err="1"/>
-              <a:t>Решение</a:t>
-            </a:r>
-            <a:r>
               <a:rPr lang="en-GB" sz="3950" dirty="0"/>
-              <a:t>: </a:t>
-            </a:r>
-            <a:r>
-              <a:rPr lang="en-GB" sz="3950" dirty="0" err="1">
-                <a:ea typeface="+mj-lt"/>
-                <a:cs typeface="+mj-lt"/>
-              </a:rPr>
-              <a:t>Списък</a:t>
+              <a:t>Решение: </a:t>
             </a:r>
             <a:r>
               <a:rPr lang="en-GB" sz="3950" dirty="0">
                 <a:ea typeface="+mj-lt"/>
                 <a:cs typeface="+mj-lt"/>
               </a:rPr>
-              <a:t> </a:t>
-            </a:r>
-            <a:r>
-              <a:rPr lang="en-GB" sz="3950" dirty="0" err="1">
-                <a:ea typeface="+mj-lt"/>
-                <a:cs typeface="+mj-lt"/>
-              </a:rPr>
-              <a:t>от</a:t>
-            </a:r>
-            <a:r>
-              <a:rPr lang="en-GB" sz="3950" dirty="0">
-                <a:ea typeface="+mj-lt"/>
-                <a:cs typeface="+mj-lt"/>
-              </a:rPr>
-              <a:t> </a:t>
-            </a:r>
-            <a:r>
-              <a:rPr lang="en-GB" sz="3950" dirty="0" err="1">
-                <a:ea typeface="+mj-lt"/>
-                <a:cs typeface="+mj-lt"/>
-              </a:rPr>
-              <a:t>продукти</a:t>
-            </a:r>
-            <a:endParaRPr lang="bg-BG" sz="3950" dirty="0" err="1"/>
+              <a:t>Списък от продукти</a:t>
+            </a:r>
+            <a:endParaRPr lang="bg-BG" sz="3950" dirty="0"/>
           </a:p>
         </p:txBody>
       </p:sp>
@@ -21622,32 +19883,11 @@
           <a:p>
             <a:pPr algn="ctr"/>
             <a:r>
-              <a:rPr lang="en-US" sz="1950" dirty="0" err="1">
-                <a:ea typeface="+mn-lt"/>
-                <a:cs typeface="+mn-lt"/>
-              </a:rPr>
-              <a:t>Тествайте</a:t>
-            </a:r>
-            <a:r>
               <a:rPr lang="en-US" sz="1950" dirty="0">
                 <a:ea typeface="+mn-lt"/>
                 <a:cs typeface="+mn-lt"/>
               </a:rPr>
-              <a:t> </a:t>
-            </a:r>
-            <a:r>
-              <a:rPr lang="en-US" sz="1950" dirty="0" err="1">
-                <a:ea typeface="+mn-lt"/>
-                <a:cs typeface="+mn-lt"/>
-              </a:rPr>
-              <a:t>решението</a:t>
-            </a:r>
-            <a:r>
-              <a:rPr lang="en-US" sz="1950" dirty="0">
-                <a:ea typeface="+mn-lt"/>
-                <a:cs typeface="+mn-lt"/>
-              </a:rPr>
-              <a:t> в Judge</a:t>
+              <a:t>Тествайте решението в Judge</a:t>
             </a:r>
             <a:r>
               <a:rPr lang="en-US" sz="1950" dirty="0"/>
@@ -21661,9 +19901,9 @@
               <a:rPr lang="en-US" sz="1950" dirty="0">
                 <a:hlinkClick r:id="rId2"/>
               </a:rPr>
-              <a:t>https://judge.softuni.org/Contests/Practice/Index/3171#13</a:t>
-            </a:r>
-            <a:endParaRPr lang="en-US" sz="1950">
+              <a:t>https://judge.softuni.org/Contests/Practice/Index/4150#4</a:t>
+            </a:r>
+            <a:endParaRPr lang="en-US" sz="1950" dirty="0">
               <a:cs typeface="Calibri"/>
             </a:endParaRPr>
           </a:p>
@@ -22546,99 +20786,36 @@
               <a:buChar char="§"/>
             </a:pPr>
             <a:r>
-              <a:rPr lang="en-US" sz="3600" dirty="0" err="1">
-                <a:cs typeface="Calibri"/>
-              </a:rPr>
-              <a:t>Прочетете</a:t>
-            </a:r>
-            <a:r>
               <a:rPr lang="en-US" sz="3600" dirty="0">
                 <a:cs typeface="Calibri"/>
               </a:rPr>
-              <a:t> </a:t>
-            </a:r>
-            <a:r>
-              <a:rPr lang="en-US" sz="3600" b="1" dirty="0" err="1">
+              <a:t>Прочетете </a:t>
+            </a:r>
+            <a:r>
+              <a:rPr lang="en-US" sz="3600" b="1" dirty="0">
                 <a:solidFill>
                   <a:schemeClr val="bg1"/>
                 </a:solidFill>
                 <a:cs typeface="Calibri"/>
               </a:rPr>
-              <a:t>списък</a:t>
-            </a:r>
-            <a:r>
-              <a:rPr lang="en-US" sz="3600" b="1" dirty="0">
-                <a:solidFill>
-                  <a:schemeClr val="bg1"/>
-                </a:solidFill>
-                <a:cs typeface="Calibri"/>
-              </a:rPr>
-              <a:t> </a:t>
-            </a:r>
-            <a:r>
-              <a:rPr lang="en-US" sz="3600" b="1" dirty="0" err="1">
-                <a:solidFill>
-                  <a:schemeClr val="bg1"/>
-                </a:solidFill>
-                <a:cs typeface="Calibri"/>
-              </a:rPr>
-              <a:t>от</a:t>
-            </a:r>
-            <a:r>
-              <a:rPr lang="en-US" sz="3600" b="1" dirty="0">
-                <a:solidFill>
-                  <a:schemeClr val="bg1"/>
-                </a:solidFill>
-                <a:cs typeface="Calibri"/>
-              </a:rPr>
-              <a:t> </a:t>
-            </a:r>
-            <a:r>
-              <a:rPr lang="en-US" sz="3600" b="1" dirty="0" err="1">
-                <a:solidFill>
-                  <a:schemeClr val="bg1"/>
-                </a:solidFill>
-                <a:cs typeface="Calibri"/>
-              </a:rPr>
-              <a:t>числа</a:t>
-            </a:r>
-            <a:r>
-              <a:rPr lang="en-US" sz="3600" b="1" dirty="0">
-                <a:solidFill>
-                  <a:schemeClr val="bg1"/>
-                </a:solidFill>
-                <a:cs typeface="Calibri"/>
-              </a:rPr>
-              <a:t> </a:t>
+              <a:t>списък от числа </a:t>
             </a:r>
             <a:r>
               <a:rPr lang="en-US" sz="3600" dirty="0">
                 <a:cs typeface="Calibri"/>
               </a:rPr>
-              <a:t>и </a:t>
-            </a:r>
-            <a:r>
-              <a:rPr lang="en-US" sz="3600" dirty="0" err="1">
+              <a:t>и премахнете </a:t>
+            </a:r>
+            <a:r>
+              <a:rPr lang="en-US" sz="3600" b="1" dirty="0">
+                <a:solidFill>
+                  <a:schemeClr val="bg1"/>
+                </a:solidFill>
                 <a:cs typeface="Calibri"/>
               </a:rPr>
-              <a:t>премахнете</a:t>
-            </a:r>
-            <a:r>
-              <a:rPr lang="en-US" sz="3600" dirty="0">
-                <a:cs typeface="Calibri"/>
-              </a:rPr>
-              <a:t> </a:t>
-            </a:r>
-            <a:r>
-              <a:rPr lang="en-US" sz="3600" b="1" dirty="0" err="1">
-                <a:solidFill>
-                  <a:schemeClr val="bg1"/>
-                </a:solidFill>
-                <a:cs typeface="Calibri"/>
-              </a:rPr>
               <a:t>всички</a:t>
             </a:r>
-            <a:endParaRPr lang="en-US" sz="3600" dirty="0" err="1">
+            <a:endParaRPr lang="en-US" sz="3600" dirty="0">
               <a:solidFill>
                 <a:schemeClr val="bg1"/>
               </a:solidFill>
@@ -22656,36 +20833,9 @@
                 </a:solidFill>
                 <a:cs typeface="Calibri"/>
               </a:rPr>
-              <a:t>    </a:t>
-            </a:r>
-            <a:r>
-              <a:rPr lang="en-US" sz="3600" b="1" dirty="0" err="1">
-                <a:solidFill>
-                  <a:schemeClr val="bg1"/>
-                </a:solidFill>
-                <a:cs typeface="Calibri"/>
-              </a:rPr>
-              <a:t>отрицателни</a:t>
-            </a:r>
-            <a:r>
-              <a:rPr lang="en-US" sz="3600" b="1" dirty="0">
-                <a:solidFill>
-                  <a:schemeClr val="bg1"/>
-                </a:solidFill>
-                <a:cs typeface="Calibri"/>
-              </a:rPr>
-              <a:t> </a:t>
-            </a:r>
-            <a:r>
-              <a:rPr lang="en-US" sz="3600" b="1" dirty="0" err="1">
-                <a:solidFill>
-                  <a:schemeClr val="bg1"/>
-                </a:solidFill>
-                <a:cs typeface="Calibri"/>
-              </a:rPr>
-              <a:t>числа</a:t>
-            </a:r>
-            <a:endParaRPr lang="en-US" sz="3600" dirty="0" err="1">
+              <a:t>    отрицателни числа</a:t>
+            </a:r>
+            <a:endParaRPr lang="en-US" sz="3600" dirty="0">
               <a:solidFill>
                 <a:schemeClr val="bg1"/>
               </a:solidFill>
@@ -22696,48 +20846,21 @@
           <a:p>
             <a:pPr lvl="1" indent="-360045"/>
             <a:r>
-              <a:rPr lang="en-US" sz="3200" dirty="0" err="1">
-                <a:ea typeface="+mn-lt"/>
-                <a:cs typeface="+mn-lt"/>
-              </a:rPr>
-              <a:t>Принтирайте</a:t>
-            </a:r>
-            <a:r>
               <a:rPr lang="en-US" sz="3200" dirty="0">
                 <a:ea typeface="+mn-lt"/>
                 <a:cs typeface="+mn-lt"/>
               </a:rPr>
-              <a:t> </a:t>
-            </a:r>
-            <a:r>
-              <a:rPr lang="en-US" sz="3200" b="1" dirty="0" err="1">
+              <a:t>Принтирайте </a:t>
+            </a:r>
+            <a:r>
+              <a:rPr lang="en-US" sz="3200" b="1" dirty="0">
                 <a:solidFill>
                   <a:schemeClr val="bg1"/>
                 </a:solidFill>
                 <a:ea typeface="+mn-lt"/>
                 <a:cs typeface="+mn-lt"/>
               </a:rPr>
-              <a:t>останалите</a:t>
-            </a:r>
-            <a:r>
-              <a:rPr lang="en-US" sz="3200" b="1" dirty="0">
-                <a:solidFill>
-                  <a:schemeClr val="bg1"/>
-                </a:solidFill>
-                <a:ea typeface="+mn-lt"/>
-                <a:cs typeface="+mn-lt"/>
-              </a:rPr>
-              <a:t> </a:t>
-            </a:r>
-            <a:r>
-              <a:rPr lang="en-US" sz="3200" b="1" dirty="0" err="1">
-                <a:solidFill>
-                  <a:schemeClr val="bg1"/>
-                </a:solidFill>
-                <a:ea typeface="+mn-lt"/>
-                <a:cs typeface="+mn-lt"/>
-              </a:rPr>
-              <a:t>числа</a:t>
+              <a:t>останалите числа</a:t>
             </a:r>
             <a:r>
               <a:rPr lang="en-US" sz="3200" dirty="0">
@@ -22747,36 +20870,16 @@
               <a:t> в </a:t>
             </a:r>
             <a:r>
-              <a:rPr lang="en-US" sz="3200" b="1" dirty="0" err="1">
+              <a:rPr lang="en-US" sz="3200" b="1" dirty="0">
                 <a:solidFill>
                   <a:schemeClr val="bg1"/>
                 </a:solidFill>
                 <a:ea typeface="+mn-lt"/>
                 <a:cs typeface="+mn-lt"/>
               </a:rPr>
-              <a:t>обратен</a:t>
-            </a:r>
-            <a:r>
-              <a:rPr lang="en-US" sz="3200" b="1" dirty="0">
-                <a:solidFill>
-                  <a:schemeClr val="bg1"/>
-                </a:solidFill>
-                <a:ea typeface="+mn-lt"/>
-                <a:cs typeface="+mn-lt"/>
-              </a:rPr>
-              <a:t> </a:t>
-            </a:r>
-            <a:r>
-              <a:rPr lang="en-US" sz="3200" b="1" dirty="0" err="1">
-                <a:solidFill>
-                  <a:schemeClr val="bg1"/>
-                </a:solidFill>
-                <a:ea typeface="+mn-lt"/>
-                <a:cs typeface="+mn-lt"/>
-              </a:rPr>
-              <a:t>ред</a:t>
-            </a:r>
-            <a:endParaRPr lang="en-US" sz="3200" b="1" dirty="0" err="1">
+              <a:t>обратен ред</a:t>
+            </a:r>
+            <a:endParaRPr lang="en-US" sz="3200" b="1" dirty="0">
               <a:solidFill>
                 <a:schemeClr val="bg1"/>
               </a:solidFill>
@@ -22786,81 +20889,25 @@
           <a:p>
             <a:pPr lvl="1" indent="-360045"/>
             <a:r>
-              <a:rPr lang="en-US" sz="3400" dirty="0" err="1">
-                <a:ea typeface="+mn-lt"/>
-                <a:cs typeface="+mn-lt"/>
-              </a:rPr>
-              <a:t>Ако</a:t>
-            </a:r>
-            <a:r>
               <a:rPr lang="en-US" sz="3400" dirty="0">
                 <a:ea typeface="+mn-lt"/>
                 <a:cs typeface="+mn-lt"/>
               </a:rPr>
-              <a:t> </a:t>
-            </a:r>
-            <a:r>
-              <a:rPr lang="en-US" sz="3400" dirty="0" err="1">
+              <a:t>Ако не съдържа числа</a:t>
+            </a:r>
+            <a:r>
+              <a:rPr lang="bg-BG" sz="3400" dirty="0">
                 <a:ea typeface="+mn-lt"/>
                 <a:cs typeface="+mn-lt"/>
               </a:rPr>
-              <a:t>не</a:t>
+              <a:t>,</a:t>
             </a:r>
             <a:r>
               <a:rPr lang="en-US" sz="3400" dirty="0">
                 <a:ea typeface="+mn-lt"/>
                 <a:cs typeface="+mn-lt"/>
               </a:rPr>
-              <a:t> </a:t>
-            </a:r>
-            <a:r>
-              <a:rPr lang="en-US" sz="3400" dirty="0" err="1">
-                <a:ea typeface="+mn-lt"/>
-                <a:cs typeface="+mn-lt"/>
-              </a:rPr>
-              <a:t>съдържа</a:t>
-            </a:r>
-            <a:r>
-              <a:rPr lang="en-US" sz="3400" dirty="0">
-                <a:ea typeface="+mn-lt"/>
-                <a:cs typeface="+mn-lt"/>
-              </a:rPr>
-              <a:t> </a:t>
-            </a:r>
-            <a:r>
-              <a:rPr lang="en-US" sz="3400" dirty="0" err="1">
-                <a:ea typeface="+mn-lt"/>
-                <a:cs typeface="+mn-lt"/>
-              </a:rPr>
-              <a:t>числа</a:t>
-            </a:r>
-            <a:r>
-              <a:rPr lang="bg-BG" sz="3400" dirty="0">
-                <a:ea typeface="+mn-lt"/>
-                <a:cs typeface="+mn-lt"/>
-              </a:rPr>
-              <a:t>,</a:t>
-            </a:r>
-            <a:r>
-              <a:rPr lang="en-US" sz="3400" dirty="0">
-                <a:ea typeface="+mn-lt"/>
-                <a:cs typeface="+mn-lt"/>
-              </a:rPr>
-              <a:t> </a:t>
-            </a:r>
-            <a:r>
-              <a:rPr lang="en-US" sz="3400" dirty="0" err="1">
-                <a:ea typeface="+mn-lt"/>
-                <a:cs typeface="+mn-lt"/>
-              </a:rPr>
-              <a:t>отпечатайте</a:t>
-            </a:r>
-            <a:r>
-              <a:rPr lang="en-US" sz="3400" dirty="0">
-                <a:ea typeface="+mn-lt"/>
-                <a:cs typeface="+mn-lt"/>
-              </a:rPr>
-              <a:t> </a:t>
+              <a:t> отпечатайте </a:t>
             </a:r>
             <a:r>
               <a:rPr lang="en-US" sz="3400" dirty="0"/>
@@ -22900,49 +20947,17 @@
           <a:lstStyle/>
           <a:p>
             <a:r>
-              <a:rPr lang="en-US" sz="3950" dirty="0" err="1"/>
-              <a:t>Задача</a:t>
-            </a:r>
-            <a:r>
               <a:rPr lang="en-US" sz="3950" dirty="0"/>
-              <a:t>: </a:t>
-            </a:r>
-            <a:r>
-              <a:rPr lang="en-US" sz="3950" dirty="0" err="1">
-                <a:ea typeface="+mj-lt"/>
-                <a:cs typeface="+mj-lt"/>
-              </a:rPr>
-              <a:t>Премахнете</a:t>
+              <a:t>Задача: </a:t>
             </a:r>
             <a:r>
               <a:rPr lang="en-US" sz="3950" dirty="0">
                 <a:ea typeface="+mj-lt"/>
                 <a:cs typeface="+mj-lt"/>
               </a:rPr>
-              <a:t> </a:t>
-            </a:r>
-            <a:r>
-              <a:rPr lang="en-US" sz="3950" dirty="0" err="1">
-                <a:ea typeface="+mj-lt"/>
-                <a:cs typeface="+mj-lt"/>
-              </a:rPr>
-              <a:t>негативите</a:t>
-            </a:r>
-            <a:r>
-              <a:rPr lang="en-US" sz="3950" dirty="0">
-                <a:ea typeface="+mj-lt"/>
-                <a:cs typeface="+mj-lt"/>
-              </a:rPr>
-              <a:t> и </a:t>
-            </a:r>
-            <a:r>
-              <a:rPr lang="en-US" sz="3950" dirty="0" err="1">
-                <a:ea typeface="+mj-lt"/>
-                <a:cs typeface="+mj-lt"/>
-              </a:rPr>
-              <a:t>обърнете</a:t>
-            </a:r>
-            <a:endParaRPr lang="bg-BG" sz="3950" dirty="0" err="1"/>
+              <a:t>Премахнете негативите и обърнете</a:t>
+            </a:r>
+            <a:endParaRPr lang="bg-BG" sz="3950" dirty="0"/>
           </a:p>
         </p:txBody>
       </p:sp>
@@ -23947,7 +21962,7 @@
           <a:lstStyle/>
           <a:p>
             <a:r>
-              <a:rPr lang="en-GB" sz="3950" dirty="0" err="1">
+              <a:rPr lang="en-GB" sz="3950" dirty="0">
                 <a:ea typeface="+mj-lt"/>
                 <a:cs typeface="+mj-lt"/>
               </a:rPr>
@@ -23960,43 +21975,15 @@
             <a:r>
               <a:rPr lang="en-US" sz="3950" b="0" dirty="0"/>
               <a:t> </a:t>
-            </a:r>
-            <a:r>
-              <a:rPr lang="en-US" sz="3950" dirty="0" err="1">
-                <a:ea typeface="+mj-lt"/>
-                <a:cs typeface="+mj-lt"/>
-              </a:rPr>
-              <a:t>Премахнете</a:t>
             </a:r>
             <a:r>
               <a:rPr lang="en-US" sz="3950" dirty="0">
                 <a:ea typeface="+mj-lt"/>
                 <a:cs typeface="+mj-lt"/>
               </a:rPr>
-              <a:t> </a:t>
-            </a:r>
-            <a:r>
-              <a:rPr lang="en-US" sz="3950" dirty="0" err="1">
-                <a:ea typeface="+mj-lt"/>
-                <a:cs typeface="+mj-lt"/>
-              </a:rPr>
-              <a:t>негативите</a:t>
-            </a:r>
-            <a:r>
-              <a:rPr lang="en-US" sz="3950" dirty="0">
-                <a:ea typeface="+mj-lt"/>
-                <a:cs typeface="+mj-lt"/>
-              </a:rPr>
-              <a:t> и </a:t>
-            </a:r>
-            <a:r>
-              <a:rPr lang="en-US" sz="3950" dirty="0" err="1">
-                <a:ea typeface="+mj-lt"/>
-                <a:cs typeface="+mj-lt"/>
-              </a:rPr>
-              <a:t>обърнете</a:t>
-            </a:r>
-            <a:endParaRPr lang="bg-BG" sz="3950">
+              <a:t>Премахнете негативите и обърнете</a:t>
+            </a:r>
+            <a:endParaRPr lang="bg-BG" sz="3950" dirty="0">
               <a:cs typeface="Calibri"/>
             </a:endParaRPr>
           </a:p>
@@ -24032,32 +22019,11 @@
           <a:p>
             <a:pPr algn="ctr"/>
             <a:r>
-              <a:rPr lang="en-US" sz="1950" dirty="0" err="1">
-                <a:ea typeface="+mn-lt"/>
-                <a:cs typeface="+mn-lt"/>
-              </a:rPr>
-              <a:t>Тествайте</a:t>
-            </a:r>
-            <a:r>
               <a:rPr lang="en-US" sz="1950" dirty="0">
                 <a:ea typeface="+mn-lt"/>
                 <a:cs typeface="+mn-lt"/>
               </a:rPr>
-              <a:t> </a:t>
-            </a:r>
-            <a:r>
-              <a:rPr lang="en-US" sz="1950" dirty="0" err="1">
-                <a:ea typeface="+mn-lt"/>
-                <a:cs typeface="+mn-lt"/>
-              </a:rPr>
-              <a:t>решението</a:t>
-            </a:r>
-            <a:r>
-              <a:rPr lang="en-US" sz="1950" dirty="0">
-                <a:ea typeface="+mn-lt"/>
-                <a:cs typeface="+mn-lt"/>
-              </a:rPr>
-              <a:t> в Judge</a:t>
+              <a:t>Тествайте решението в Judge</a:t>
             </a:r>
             <a:r>
               <a:rPr lang="en-US" sz="1950" dirty="0"/>
@@ -24071,9 +22037,9 @@
               <a:rPr lang="en-US" sz="1950" dirty="0">
                 <a:hlinkClick r:id="rId2"/>
               </a:rPr>
-              <a:t>https://judge.softuni.org/Contests/Practice/Index/3171#14</a:t>
-            </a:r>
-            <a:endParaRPr lang="en-US" sz="1950">
+              <a:t>https://judge.softuni.org/Contests/Practice/Index/4150#5</a:t>
+            </a:r>
+            <a:endParaRPr lang="en-US" sz="1950" dirty="0">
               <a:cs typeface="Calibri"/>
             </a:endParaRPr>
           </a:p>
@@ -24995,28 +22961,8 @@
           <a:lstStyle/>
           <a:p>
             <a:r>
-              <a:rPr lang="en-US" sz="3950" dirty="0" err="1"/>
-              <a:t>Какво</a:t>
-            </a:r>
-            <a:r>
               <a:rPr lang="en-US" sz="3950" dirty="0"/>
-              <a:t> </a:t>
-            </a:r>
-            <a:r>
-              <a:rPr lang="en-US" sz="3950" dirty="0" err="1"/>
-              <a:t>научихме</a:t>
-            </a:r>
-            <a:r>
-              <a:rPr lang="en-US" sz="3950" dirty="0"/>
-              <a:t> </a:t>
-            </a:r>
-            <a:r>
-              <a:rPr lang="en-US" sz="3950" dirty="0" err="1"/>
-              <a:t>днес</a:t>
-            </a:r>
-            <a:r>
-              <a:rPr lang="en-US" sz="3950" dirty="0"/>
-              <a:t>? </a:t>
+              <a:t>Какво научихме днес? </a:t>
             </a:r>
             <a:endParaRPr lang="bg-BG" dirty="0"/>
           </a:p>
@@ -25425,7 +23371,7 @@
               </a:buClr>
             </a:pPr>
             <a:r>
-              <a:rPr lang="en-US" sz="3400" b="1" dirty="0" err="1">
+              <a:rPr lang="en-US" sz="3400" b="1" dirty="0">
                 <a:solidFill>
                   <a:schemeClr val="bg1">
                     <a:lumMod val="60000"/>
@@ -25442,133 +23388,7 @@
                 </a:solidFill>
                 <a:cs typeface="Calibri"/>
               </a:rPr>
-              <a:t> </a:t>
-            </a:r>
-            <a:r>
-              <a:rPr lang="en-US" sz="3400" dirty="0" err="1">
-                <a:solidFill>
-                  <a:schemeClr val="bg2"/>
-                </a:solidFill>
-                <a:cs typeface="Calibri"/>
-              </a:rPr>
-              <a:t>съдържат</a:t>
-            </a:r>
-            <a:r>
-              <a:rPr lang="en-US" sz="3400" dirty="0">
-                <a:solidFill>
-                  <a:schemeClr val="bg2"/>
-                </a:solidFill>
-                <a:cs typeface="Calibri"/>
-              </a:rPr>
-              <a:t> </a:t>
-            </a:r>
-            <a:r>
-              <a:rPr lang="en-US" sz="3400" dirty="0" err="1">
-                <a:solidFill>
-                  <a:schemeClr val="bg2"/>
-                </a:solidFill>
-                <a:cs typeface="Calibri"/>
-              </a:rPr>
-              <a:t>редактируема</a:t>
-            </a:r>
-            <a:r>
-              <a:rPr lang="en-US" sz="3400" dirty="0">
-                <a:solidFill>
-                  <a:schemeClr val="bg2"/>
-                </a:solidFill>
-                <a:cs typeface="Calibri"/>
-              </a:rPr>
-              <a:t> </a:t>
-            </a:r>
-            <a:r>
-              <a:rPr lang="en-US" sz="3400" dirty="0" err="1">
-                <a:solidFill>
-                  <a:schemeClr val="bg2"/>
-                </a:solidFill>
-                <a:cs typeface="Calibri"/>
-              </a:rPr>
-              <a:t>последователност</a:t>
-            </a:r>
-            <a:r>
-              <a:rPr lang="en-US" sz="3400" dirty="0">
-                <a:solidFill>
-                  <a:schemeClr val="bg2"/>
-                </a:solidFill>
-                <a:cs typeface="Calibri"/>
-              </a:rPr>
-              <a:t> </a:t>
-            </a:r>
-            <a:r>
-              <a:rPr lang="en-US" sz="3400" dirty="0" err="1">
-                <a:solidFill>
-                  <a:schemeClr val="bg2"/>
-                </a:solidFill>
-                <a:cs typeface="Calibri"/>
-              </a:rPr>
-              <a:t>от</a:t>
-            </a:r>
-            <a:r>
-              <a:rPr lang="en-US" sz="3400" dirty="0">
-                <a:solidFill>
-                  <a:schemeClr val="bg2"/>
-                </a:solidFill>
-                <a:cs typeface="Calibri"/>
-              </a:rPr>
-              <a:t> </a:t>
-            </a:r>
-            <a:r>
-              <a:rPr lang="en-US" sz="3400" dirty="0" err="1">
-                <a:solidFill>
-                  <a:schemeClr val="bg2"/>
-                </a:solidFill>
-                <a:cs typeface="Calibri"/>
-              </a:rPr>
-              <a:t>елементи</a:t>
-            </a:r>
-            <a:r>
-              <a:rPr lang="en-US" sz="3400" dirty="0">
-                <a:solidFill>
-                  <a:schemeClr val="bg2"/>
-                </a:solidFill>
-                <a:cs typeface="Calibri"/>
-              </a:rPr>
-              <a:t> (с </a:t>
-            </a:r>
-            <a:r>
-              <a:rPr lang="en-US" sz="3400" dirty="0" err="1">
-                <a:solidFill>
-                  <a:schemeClr val="bg2"/>
-                </a:solidFill>
-                <a:cs typeface="Calibri"/>
-              </a:rPr>
-              <a:t>променлива</a:t>
-            </a:r>
-            <a:r>
-              <a:rPr lang="en-US" sz="3400" dirty="0">
-                <a:solidFill>
-                  <a:schemeClr val="bg2"/>
-                </a:solidFill>
-                <a:cs typeface="Calibri"/>
-              </a:rPr>
-              <a:t> </a:t>
-            </a:r>
-            <a:r>
-              <a:rPr lang="en-US" sz="3400" dirty="0" err="1">
-                <a:solidFill>
-                  <a:schemeClr val="bg2"/>
-                </a:solidFill>
-                <a:cs typeface="Calibri"/>
-              </a:rPr>
-              <a:t>дължина</a:t>
-            </a:r>
-            <a:r>
-              <a:rPr lang="en-US" sz="3400" dirty="0">
-                <a:solidFill>
-                  <a:schemeClr val="bg2"/>
-                </a:solidFill>
-                <a:cs typeface="Calibri"/>
-              </a:rPr>
-              <a:t>)</a:t>
+              <a:t> съдържат редактируема последователност от елементи (с променлива дължина)</a:t>
             </a:r>
             <a:endParaRPr lang="bg-BG" dirty="0">
               <a:solidFill>
@@ -25590,7 +23410,7 @@
               </a:buClr>
             </a:pPr>
             <a:r>
-              <a:rPr lang="en-US" sz="3400" dirty="0" err="1">
+              <a:rPr lang="en-US" sz="3400" dirty="0">
                 <a:solidFill>
                   <a:schemeClr val="bg2"/>
                 </a:solidFill>
@@ -25598,7 +23418,7 @@
               <a:t>Мо</a:t>
             </a:r>
             <a:r>
-              <a:rPr lang="bg-BG" sz="3400" dirty="0" err="1">
+              <a:rPr lang="bg-BG" sz="3400" dirty="0">
                 <a:solidFill>
                   <a:schemeClr val="bg2"/>
                 </a:solidFill>
@@ -25611,26 +23431,10 @@
                   <a:schemeClr val="bg2"/>
                 </a:solidFill>
               </a:rPr>
-              <a:t> </a:t>
-            </a:r>
-            <a:r>
-              <a:rPr lang="en-US" sz="3400" dirty="0" err="1">
-                <a:solidFill>
-                  <a:schemeClr val="bg2"/>
-                </a:solidFill>
-              </a:rPr>
-              <a:t>да</a:t>
-            </a:r>
-            <a:r>
-              <a:rPr lang="en-US" sz="3400" dirty="0">
-                <a:solidFill>
-                  <a:schemeClr val="bg2"/>
-                </a:solidFill>
-              </a:rPr>
-              <a:t> </a:t>
-            </a:r>
-            <a:r>
-              <a:rPr lang="en-US" sz="3400" b="1" dirty="0" err="1">
+              <a:t> да </a:t>
+            </a:r>
+            <a:r>
+              <a:rPr lang="en-US" sz="3400" b="1" dirty="0">
                 <a:solidFill>
                   <a:schemeClr val="bg1">
                     <a:lumMod val="60000"/>
@@ -25660,7 +23464,7 @@
               <a:t> / </a:t>
             </a:r>
             <a:r>
-              <a:rPr lang="en-US" sz="3400" b="1" dirty="0" err="1">
+              <a:rPr lang="en-US" sz="3400" b="1" dirty="0">
                 <a:solidFill>
                   <a:schemeClr val="bg1">
                     <a:lumMod val="60000"/>
@@ -25700,7 +23504,7 @@
               <a:t>/</a:t>
             </a:r>
             <a:r>
-              <a:rPr lang="en-US" sz="3400" b="1" dirty="0" err="1">
+              <a:rPr lang="en-US" sz="3400" b="1" dirty="0">
                 <a:solidFill>
                   <a:schemeClr val="bg1">
                     <a:lumMod val="60000"/>
@@ -25758,65 +23562,9 @@
                   <a:schemeClr val="bg2"/>
                 </a:solidFill>
               </a:rPr>
-              <a:t>    </a:t>
-            </a:r>
-            <a:r>
-              <a:rPr lang="en-US" sz="3400" dirty="0" err="1">
-                <a:solidFill>
-                  <a:schemeClr val="bg2"/>
-                </a:solidFill>
-              </a:rPr>
-              <a:t>елементи</a:t>
-            </a:r>
-            <a:r>
-              <a:rPr lang="en-US" sz="3400" dirty="0">
-                <a:solidFill>
-                  <a:schemeClr val="bg2"/>
-                </a:solidFill>
-              </a:rPr>
-              <a:t> </a:t>
-            </a:r>
-            <a:r>
-              <a:rPr lang="en-US" sz="3400" dirty="0" err="1">
-                <a:solidFill>
-                  <a:schemeClr val="bg2"/>
-                </a:solidFill>
-              </a:rPr>
-              <a:t>по</a:t>
-            </a:r>
-            <a:r>
-              <a:rPr lang="en-US" sz="3400" dirty="0">
-                <a:solidFill>
-                  <a:schemeClr val="bg2"/>
-                </a:solidFill>
-              </a:rPr>
-              <a:t> </a:t>
-            </a:r>
-            <a:r>
-              <a:rPr lang="en-US" sz="3400" dirty="0" err="1">
-                <a:solidFill>
-                  <a:schemeClr val="bg2"/>
-                </a:solidFill>
-              </a:rPr>
-              <a:t>всяко</a:t>
-            </a:r>
-            <a:r>
-              <a:rPr lang="en-US" sz="3400" dirty="0">
-                <a:solidFill>
-                  <a:schemeClr val="bg2"/>
-                </a:solidFill>
-              </a:rPr>
-              <a:t> </a:t>
-            </a:r>
-            <a:r>
-              <a:rPr lang="en-US" sz="3400" dirty="0" err="1">
-                <a:solidFill>
-                  <a:schemeClr val="bg2"/>
-                </a:solidFill>
-              </a:rPr>
-              <a:t>време</a:t>
-            </a:r>
-            <a:endParaRPr lang="en-US" sz="3400" dirty="0" err="1">
+              <a:t>    елементи по всяко време</a:t>
+            </a:r>
+            <a:endParaRPr lang="en-US" sz="3400" dirty="0">
               <a:solidFill>
                 <a:schemeClr val="bg2"/>
               </a:solidFill>
@@ -25836,52 +23584,12 @@
               </a:buClr>
             </a:pPr>
             <a:r>
-              <a:rPr lang="en-US" sz="3400" dirty="0" err="1">
+              <a:rPr lang="en-US" sz="3400" dirty="0">
                 <a:solidFill>
                   <a:schemeClr val="bg2"/>
                 </a:solidFill>
               </a:rPr>
-              <a:t>Създаване</a:t>
-            </a:r>
-            <a:r>
-              <a:rPr lang="en-US" sz="3400" dirty="0">
-                <a:solidFill>
-                  <a:schemeClr val="bg2"/>
-                </a:solidFill>
-              </a:rPr>
-              <a:t> </a:t>
-            </a:r>
-            <a:r>
-              <a:rPr lang="en-US" sz="3400" dirty="0" err="1">
-                <a:solidFill>
-                  <a:schemeClr val="bg2"/>
-                </a:solidFill>
-              </a:rPr>
-              <a:t>на</a:t>
-            </a:r>
-            <a:r>
-              <a:rPr lang="en-US" sz="3400" dirty="0">
-                <a:solidFill>
-                  <a:schemeClr val="bg2"/>
-                </a:solidFill>
-              </a:rPr>
-              <a:t> </a:t>
-            </a:r>
-            <a:r>
-              <a:rPr lang="en-US" sz="3400" dirty="0" err="1">
-                <a:solidFill>
-                  <a:schemeClr val="bg2"/>
-                </a:solidFill>
-              </a:rPr>
-              <a:t>списък</a:t>
-            </a:r>
-            <a:r>
-              <a:rPr lang="en-US" sz="3400" dirty="0">
-                <a:solidFill>
-                  <a:schemeClr val="bg2"/>
-                </a:solidFill>
-              </a:rPr>
-              <a:t>: </a:t>
+              <a:t>Създаване на списък: </a:t>
             </a:r>
             <a:r>
               <a:rPr lang="en-US" sz="3400" b="1" dirty="0">
@@ -25919,84 +23627,12 @@
               </a:buClr>
             </a:pPr>
             <a:r>
-              <a:rPr lang="en-US" sz="3400" dirty="0" err="1">
+              <a:rPr lang="en-US" sz="3400" dirty="0">
                 <a:solidFill>
                   <a:schemeClr val="bg2"/>
                 </a:solidFill>
               </a:rPr>
-              <a:t>Достъп</a:t>
-            </a:r>
-            <a:r>
-              <a:rPr lang="en-US" sz="3400" dirty="0">
-                <a:solidFill>
-                  <a:schemeClr val="bg2"/>
-                </a:solidFill>
-              </a:rPr>
-              <a:t> </a:t>
-            </a:r>
-            <a:r>
-              <a:rPr lang="en-US" sz="3400" dirty="0" err="1">
-                <a:solidFill>
-                  <a:schemeClr val="bg2"/>
-                </a:solidFill>
-              </a:rPr>
-              <a:t>до</a:t>
-            </a:r>
-            <a:r>
-              <a:rPr lang="en-US" sz="3400" dirty="0">
-                <a:solidFill>
-                  <a:schemeClr val="bg2"/>
-                </a:solidFill>
-              </a:rPr>
-              <a:t> </a:t>
-            </a:r>
-            <a:r>
-              <a:rPr lang="en-US" sz="3400" dirty="0" err="1">
-                <a:solidFill>
-                  <a:schemeClr val="bg2"/>
-                </a:solidFill>
-              </a:rPr>
-              <a:t>елемент</a:t>
-            </a:r>
-            <a:r>
-              <a:rPr lang="en-US" sz="3400" dirty="0">
-                <a:solidFill>
-                  <a:schemeClr val="bg2"/>
-                </a:solidFill>
-              </a:rPr>
-              <a:t> </a:t>
-            </a:r>
-            <a:r>
-              <a:rPr lang="en-US" sz="3400" dirty="0" err="1">
-                <a:solidFill>
-                  <a:schemeClr val="bg2"/>
-                </a:solidFill>
-              </a:rPr>
-              <a:t>чрез</a:t>
-            </a:r>
-            <a:r>
-              <a:rPr lang="en-US" sz="3400" dirty="0">
-                <a:solidFill>
-                  <a:schemeClr val="bg2"/>
-                </a:solidFill>
-              </a:rPr>
-              <a:t> </a:t>
-            </a:r>
-            <a:r>
-              <a:rPr lang="en-US" sz="3400" dirty="0" err="1">
-                <a:solidFill>
-                  <a:schemeClr val="bg2"/>
-                </a:solidFill>
-              </a:rPr>
-              <a:t>индекс</a:t>
-            </a:r>
-            <a:r>
-              <a:rPr lang="en-US" sz="3400" dirty="0">
-                <a:solidFill>
-                  <a:schemeClr val="bg2"/>
-                </a:solidFill>
-              </a:rPr>
-              <a:t>: </a:t>
+              <a:t>Достъп до елемент чрез индекс: </a:t>
             </a:r>
             <a:r>
               <a:rPr lang="en-US" sz="3400" b="1" dirty="0">
@@ -26008,31 +23644,7 @@
                 </a:solidFill>
                 <a:latin typeface="Consolas"/>
               </a:rPr>
-              <a:t>list[</a:t>
-            </a:r>
-            <a:r>
-              <a:rPr lang="en-US" sz="3400" b="1" dirty="0" err="1">
-                <a:solidFill>
-                  <a:schemeClr val="bg1">
-                    <a:lumMod val="60000"/>
-                    <a:lumOff val="40000"/>
-                  </a:schemeClr>
-                </a:solidFill>
-                <a:latin typeface="Consolas"/>
-              </a:rPr>
-              <a:t>i</a:t>
-            </a:r>
-            <a:r>
-              <a:rPr lang="en-US" sz="3400" b="1" dirty="0">
-                <a:solidFill>
-                  <a:schemeClr val="bg1">
-                    <a:lumMod val="60000"/>
-                    <a:lumOff val="40000"/>
-                  </a:schemeClr>
-                </a:solidFill>
-                <a:latin typeface="Consolas"/>
-              </a:rPr>
-              <a:t>]</a:t>
+              <a:t>list[i]</a:t>
             </a:r>
           </a:p>
           <a:p>
@@ -26048,7 +23660,7 @@
               </a:buClr>
             </a:pPr>
             <a:r>
-              <a:rPr lang="en-US" sz="3400" dirty="0" err="1">
+              <a:rPr lang="en-US" sz="3400" dirty="0">
                 <a:solidFill>
                   <a:schemeClr val="bg2"/>
                 </a:solidFill>
@@ -26056,7 +23668,7 @@
               <a:t>О</a:t>
             </a:r>
             <a:r>
-              <a:rPr lang="bg-BG" sz="3400" dirty="0" err="1">
+              <a:rPr lang="bg-BG" sz="3400" dirty="0">
                 <a:solidFill>
                   <a:schemeClr val="bg2"/>
                 </a:solidFill>
@@ -26064,52 +23676,12 @@
               <a:t>т</a:t>
             </a:r>
             <a:r>
-              <a:rPr lang="en-US" sz="3400" dirty="0" err="1">
+              <a:rPr lang="en-US" sz="3400" dirty="0">
                 <a:solidFill>
                   <a:schemeClr val="bg2"/>
                 </a:solidFill>
               </a:rPr>
-              <a:t>печатване</a:t>
-            </a:r>
-            <a:r>
-              <a:rPr lang="en-US" sz="3400" dirty="0">
-                <a:solidFill>
-                  <a:schemeClr val="bg2"/>
-                </a:solidFill>
-              </a:rPr>
-              <a:t> на </a:t>
-            </a:r>
-            <a:r>
-              <a:rPr lang="en-US" sz="3400" dirty="0" err="1">
-                <a:solidFill>
-                  <a:schemeClr val="bg2"/>
-                </a:solidFill>
-              </a:rPr>
-              <a:t>елементите</a:t>
-            </a:r>
-            <a:r>
-              <a:rPr lang="en-US" sz="3400" dirty="0">
-                <a:solidFill>
-                  <a:schemeClr val="bg2"/>
-                </a:solidFill>
-              </a:rPr>
-              <a:t> на </a:t>
-            </a:r>
-            <a:r>
-              <a:rPr lang="en-US" sz="3400" dirty="0" err="1">
-                <a:solidFill>
-                  <a:schemeClr val="bg2"/>
-                </a:solidFill>
-              </a:rPr>
-              <a:t>списък</a:t>
-            </a:r>
-            <a:r>
-              <a:rPr lang="en-US" sz="3400" dirty="0">
-                <a:solidFill>
-                  <a:schemeClr val="bg2"/>
-                </a:solidFill>
-              </a:rPr>
-              <a:t>: </a:t>
+              <a:t>печатване на елементите на списък: </a:t>
             </a:r>
             <a:r>
               <a:rPr lang="en-US" sz="3400" b="1" noProof="1">
@@ -26513,14 +24085,14 @@
           <a:lstStyle/>
           <a:p>
             <a:r>
-              <a:rPr lang="en-US" sz="8800">
+              <a:rPr lang="en-US" sz="8800" dirty="0">
                 <a:solidFill>
                   <a:srgbClr val="234465"/>
                 </a:solidFill>
               </a:rPr>
               <a:t>Въпроси?</a:t>
             </a:r>
-            <a:endParaRPr lang="en-US" sz="8800"/>
+            <a:endParaRPr lang="en-US" sz="8800" dirty="0"/>
           </a:p>
         </p:txBody>
       </p:sp>
@@ -26594,34 +24166,34 @@
               </a:lnSpc>
             </a:pPr>
             <a:r>
-              <a:rPr lang="bg-BG"/>
+              <a:rPr lang="bg-BG" dirty="0"/>
               <a:t>Този курс</a:t>
             </a:r>
             <a:r>
-              <a:rPr lang="en-US"/>
+              <a:rPr lang="en-US" dirty="0"/>
               <a:t> (</a:t>
             </a:r>
             <a:r>
-              <a:rPr lang="bg-BG"/>
+              <a:rPr lang="bg-BG" dirty="0"/>
               <a:t>презентации, примери, демонстрационен код, упражнения, домашни, видео и други активи</a:t>
             </a:r>
             <a:r>
-              <a:rPr lang="en-US"/>
+              <a:rPr lang="en-US" dirty="0"/>
               <a:t>) </a:t>
             </a:r>
             <a:r>
-              <a:rPr lang="bg-BG"/>
+              <a:rPr lang="bg-BG" dirty="0"/>
               <a:t>представлява</a:t>
             </a:r>
             <a:r>
-              <a:rPr lang="en-US"/>
+              <a:rPr lang="en-US" dirty="0"/>
               <a:t> </a:t>
             </a:r>
             <a:r>
-              <a:rPr lang="bg-BG" b="1"/>
+              <a:rPr lang="bg-BG" b="1" dirty="0"/>
               <a:t>защитено авторско съдържание</a:t>
             </a:r>
-            <a:endParaRPr lang="en-US"/>
+            <a:endParaRPr lang="en-US" dirty="0"/>
           </a:p>
           <a:p>
             <a:pPr>
@@ -26630,15 +24202,15 @@
               </a:lnSpc>
             </a:pPr>
             <a:r>
-              <a:rPr lang="bg-BG"/>
+              <a:rPr lang="bg-BG" dirty="0"/>
               <a:t>Нерегламентирано копиране</a:t>
             </a:r>
             <a:r>
-              <a:rPr lang="en-US"/>
+              <a:rPr lang="en-US" dirty="0"/>
               <a:t>,</a:t>
             </a:r>
             <a:r>
-              <a:rPr lang="bg-BG"/>
+              <a:rPr lang="bg-BG" dirty="0"/>
               <a:t> разпространение или използване е незаконно</a:t>
             </a:r>
           </a:p>
@@ -26649,24 +24221,24 @@
               </a:lnSpc>
             </a:pPr>
             <a:r>
-              <a:rPr lang="en-US"/>
+              <a:rPr lang="en-US" dirty="0"/>
               <a:t>© </a:t>
             </a:r>
             <a:r>
-              <a:rPr lang="bg-BG"/>
+              <a:rPr lang="bg-BG" dirty="0"/>
               <a:t>СофтУни</a:t>
             </a:r>
             <a:r>
-              <a:rPr lang="en-US"/>
+              <a:rPr lang="en-US" dirty="0"/>
               <a:t> – </a:t>
             </a:r>
             <a:r>
-              <a:rPr lang="en-US">
+              <a:rPr lang="en-US" dirty="0">
                 <a:hlinkClick r:id="rId3"/>
               </a:rPr>
               <a:t>https://softuni.org</a:t>
             </a:r>
-            <a:endParaRPr lang="en-US"/>
+            <a:endParaRPr lang="en-US" dirty="0"/>
           </a:p>
           <a:p>
             <a:pPr>
@@ -26675,24 +24247,24 @@
               </a:lnSpc>
             </a:pPr>
             <a:r>
-              <a:rPr lang="en-US"/>
+              <a:rPr lang="en-US" dirty="0"/>
               <a:t>© </a:t>
             </a:r>
             <a:r>
-              <a:rPr lang="bg-BG"/>
+              <a:rPr lang="bg-BG" dirty="0"/>
               <a:t>Софтуерен университет</a:t>
             </a:r>
             <a:r>
-              <a:rPr lang="en-US"/>
+              <a:rPr lang="en-US" dirty="0"/>
               <a:t> – </a:t>
             </a:r>
             <a:r>
-              <a:rPr lang="en-US">
+              <a:rPr lang="en-US" dirty="0">
                 <a:hlinkClick r:id="rId4"/>
               </a:rPr>
               <a:t>https://softuni.bg</a:t>
             </a:r>
-            <a:endParaRPr lang="bg-BG"/>
+            <a:endParaRPr lang="bg-BG" dirty="0"/>
           </a:p>
           <a:p>
             <a:pPr>
@@ -26700,7 +24272,7 @@
                 <a:spcPct val="120000"/>
               </a:lnSpc>
             </a:pPr>
-            <a:endParaRPr lang="bg-BG"/>
+            <a:endParaRPr lang="bg-BG" dirty="0"/>
           </a:p>
         </p:txBody>
       </p:sp>
@@ -26767,7 +24339,7 @@
           <a:lstStyle/>
           <a:p>
             <a:r>
-              <a:rPr lang="bg-BG"/>
+              <a:rPr lang="bg-BG" dirty="0"/>
               <a:t>Лиценз</a:t>
             </a:r>
           </a:p>
@@ -26811,7 +24383,7 @@
               <a:pPr/>
               <a:t>27</a:t>
             </a:fld>
-            <a:endParaRPr lang="en-US" noProof="0"/>
+            <a:endParaRPr lang="en-US" noProof="0" dirty="0"/>
           </a:p>
         </p:txBody>
       </p:sp>
@@ -27675,14 +25247,14 @@
           <a:lstStyle/>
           <a:p>
             <a:r>
-              <a:rPr lang="en-GB" dirty="0" err="1"/>
+              <a:rPr lang="en-GB" dirty="0"/>
               <a:t>Списъ</a:t>
             </a:r>
             <a:r>
               <a:rPr lang="bg-BG" dirty="0"/>
               <a:t>ци</a:t>
             </a:r>
-            <a:endParaRPr lang="en-GB" dirty="0" err="1"/>
+            <a:endParaRPr lang="en-GB" dirty="0"/>
           </a:p>
         </p:txBody>
       </p:sp>
@@ -27740,12 +25312,8 @@
           <a:lstStyle/>
           <a:p>
             <a:r>
-              <a:rPr lang="bg-BG" sz="3950"/>
-              <a:t>Списък от тип Т </a:t>
-            </a:r>
-            <a:r>
               <a:rPr lang="bg-BG" sz="3950" dirty="0"/>
-              <a:t>(</a:t>
+              <a:t>Списък от тип Т (</a:t>
             </a:r>
             <a:r>
               <a:rPr lang="en-US" sz="3950" dirty="0"/>
@@ -28983,7 +26551,7 @@
               </a:spcBef>
             </a:pPr>
             <a:r>
-              <a:rPr lang="en-US" sz="3200" dirty="0" err="1"/>
+              <a:rPr lang="en-US" sz="3200" dirty="0"/>
               <a:t>Осигур</a:t>
             </a:r>
             <a:r>
@@ -28991,7 +26559,7 @@
               <a:t>я</a:t>
             </a:r>
             <a:r>
-              <a:rPr lang="en-US" sz="3200" dirty="0" err="1"/>
+              <a:rPr lang="en-US" sz="3200" dirty="0"/>
               <a:t>в</a:t>
             </a:r>
             <a:r>
@@ -29000,19 +26568,7 @@
             </a:r>
             <a:r>
               <a:rPr lang="en-US" sz="3200" dirty="0"/>
-              <a:t> </a:t>
-            </a:r>
-            <a:r>
-              <a:rPr lang="en-US" sz="3200" dirty="0" err="1"/>
-              <a:t>операции</a:t>
-            </a:r>
-            <a:r>
-              <a:rPr lang="en-US" sz="3200" dirty="0"/>
-              <a:t> </a:t>
-            </a:r>
-            <a:r>
-              <a:rPr lang="en-US" sz="3200" dirty="0" err="1"/>
-              <a:t>за</a:t>
+              <a:t> операции за</a:t>
             </a:r>
             <a:r>
               <a:rPr lang="en-US" sz="3200" dirty="0">
@@ -29023,7 +26579,7 @@
               <a:t> </a:t>
             </a:r>
             <a:r>
-              <a:rPr lang="en-US" sz="3200" b="1" dirty="0" err="1">
+              <a:rPr lang="en-US" sz="3200" b="1" dirty="0">
                 <a:solidFill>
                   <a:schemeClr val="bg1"/>
                 </a:solidFill>
@@ -29035,7 +26591,7 @@
               <a:t> / </a:t>
             </a:r>
             <a:r>
-              <a:rPr lang="en-US" sz="3200" b="1" dirty="0" err="1">
+              <a:rPr lang="en-US" sz="3200" b="1" dirty="0">
                 <a:solidFill>
                   <a:schemeClr val="bg1"/>
                 </a:solidFill>
@@ -29047,7 +26603,7 @@
               <a:t> / </a:t>
             </a:r>
             <a:r>
-              <a:rPr lang="en-US" sz="3200" b="1" dirty="0" err="1">
+              <a:rPr lang="en-US" sz="3200" b="1" dirty="0">
                 <a:solidFill>
                   <a:schemeClr val="bg1"/>
                 </a:solidFill>
@@ -29056,15 +26612,7 @@
             </a:r>
             <a:r>
               <a:rPr lang="en-US" sz="3200" dirty="0"/>
-              <a:t>  на </a:t>
-            </a:r>
-            <a:r>
-              <a:rPr lang="en-US" sz="3200" dirty="0" err="1"/>
-              <a:t>елементи</a:t>
-            </a:r>
-            <a:r>
-              <a:rPr lang="en-US" sz="3200" dirty="0"/>
-              <a:t>:</a:t>
+              <a:t>  на елементи:</a:t>
             </a:r>
             <a:endParaRPr lang="bg-BG" dirty="0"/>
           </a:p>
@@ -29090,7 +26638,7 @@
               <a:t>Add(</a:t>
             </a:r>
             <a:r>
-              <a:rPr lang="en-US" sz="2800" dirty="0" err="1">
+              <a:rPr lang="en-US" sz="2800" dirty="0">
                 <a:latin typeface="Consolas"/>
               </a:rPr>
               <a:t>елемент</a:t>
@@ -29106,29 +26654,9 @@
             </a:r>
             <a:r>
               <a:rPr lang="en-US" sz="2800" dirty="0"/>
-              <a:t> – </a:t>
-            </a:r>
-            <a:r>
-              <a:rPr lang="en-US" sz="2800" dirty="0" err="1"/>
-              <a:t>добавя</a:t>
-            </a:r>
-            <a:r>
-              <a:rPr lang="en-US" sz="2800" dirty="0"/>
-              <a:t> </a:t>
-            </a:r>
-            <a:r>
-              <a:rPr lang="en-US" sz="2800" dirty="0" err="1"/>
-              <a:t>елемент</a:t>
-            </a:r>
-            <a:r>
-              <a:rPr lang="en-US" sz="2800" dirty="0"/>
-              <a:t> в </a:t>
-            </a:r>
-            <a:r>
-              <a:rPr lang="en-US" sz="2800" dirty="0" err="1"/>
-              <a:t>списъка</a:t>
-            </a:r>
-            <a:endParaRPr lang="en-US" sz="2800" dirty="0" err="1">
+              <a:t> – добавя елемент в списъка</a:t>
+            </a:r>
+            <a:endParaRPr lang="en-US" sz="2800" dirty="0">
               <a:cs typeface="Calibri"/>
             </a:endParaRPr>
           </a:p>
@@ -29155,45 +26683,9 @@
             </a:r>
             <a:r>
               <a:rPr lang="en-US" sz="2800" dirty="0"/>
-              <a:t> – </a:t>
-            </a:r>
-            <a:r>
-              <a:rPr lang="en-US" sz="2800" dirty="0" err="1"/>
-              <a:t>връща</a:t>
-            </a:r>
-            <a:r>
-              <a:rPr lang="en-US" sz="2800" dirty="0"/>
-              <a:t> </a:t>
-            </a:r>
-            <a:r>
-              <a:rPr lang="en-US" sz="2800" dirty="0" err="1"/>
-              <a:t>броя</a:t>
-            </a:r>
-            <a:r>
-              <a:rPr lang="en-US" sz="2800" dirty="0"/>
-              <a:t> </a:t>
-            </a:r>
-            <a:r>
-              <a:rPr lang="en-US" sz="2800" dirty="0" err="1"/>
-              <a:t>на</a:t>
-            </a:r>
-            <a:r>
-              <a:rPr lang="en-US" sz="2800" dirty="0"/>
-              <a:t> </a:t>
-            </a:r>
-            <a:r>
-              <a:rPr lang="en-US" sz="2800" dirty="0" err="1"/>
-              <a:t>елементите</a:t>
-            </a:r>
-            <a:r>
-              <a:rPr lang="en-US" sz="2800" dirty="0"/>
-              <a:t> в </a:t>
-            </a:r>
-            <a:r>
-              <a:rPr lang="en-US" sz="2800" dirty="0" err="1"/>
-              <a:t>списъка</a:t>
-            </a:r>
-            <a:endParaRPr lang="en-US" sz="2800" dirty="0" err="1">
+              <a:t> – връща броя на елементите в списъка</a:t>
+            </a:r>
+            <a:endParaRPr lang="en-US" sz="2800" dirty="0">
               <a:cs typeface="Calibri"/>
             </a:endParaRPr>
           </a:p>
@@ -29219,7 +26711,7 @@
               <a:t>Remove(</a:t>
             </a:r>
             <a:r>
-              <a:rPr lang="en-US" sz="2800" dirty="0" err="1">
+              <a:rPr lang="en-US" sz="2800" dirty="0">
                 <a:latin typeface="Consolas"/>
               </a:rPr>
               <a:t>елемент</a:t>
@@ -29235,31 +26727,7 @@
             </a:r>
             <a:r>
               <a:rPr lang="en-US" sz="2800" dirty="0"/>
-              <a:t> – </a:t>
-            </a:r>
-            <a:r>
-              <a:rPr lang="en-US" sz="2800" dirty="0" err="1"/>
-              <a:t>премахва</a:t>
-            </a:r>
-            <a:r>
-              <a:rPr lang="en-US" sz="2800" dirty="0"/>
-              <a:t> </a:t>
-            </a:r>
-            <a:r>
-              <a:rPr lang="en-US" sz="2800" dirty="0" err="1"/>
-              <a:t>елемент</a:t>
-            </a:r>
-            <a:r>
-              <a:rPr lang="en-US" sz="2800" dirty="0"/>
-              <a:t> (</a:t>
-            </a:r>
-            <a:r>
-              <a:rPr lang="en-US" sz="2800" dirty="0" err="1"/>
-              <a:t>връща</a:t>
-            </a:r>
-            <a:r>
-              <a:rPr lang="en-US" sz="2800" dirty="0"/>
-              <a:t> true / false)</a:t>
+              <a:t> – премахва елемент (връща true / false)</a:t>
             </a:r>
             <a:endParaRPr lang="en-US" sz="2800" dirty="0">
               <a:cs typeface="Calibri"/>
@@ -29303,45 +26771,9 @@
             </a:r>
             <a:r>
               <a:rPr lang="en-US" sz="2800" dirty="0"/>
-              <a:t> – </a:t>
-            </a:r>
-            <a:r>
-              <a:rPr lang="en-US" sz="2800" dirty="0" err="1"/>
-              <a:t>премахва</a:t>
-            </a:r>
-            <a:r>
-              <a:rPr lang="en-US" sz="2800" dirty="0"/>
-              <a:t> </a:t>
-            </a:r>
-            <a:r>
-              <a:rPr lang="en-US" sz="2800" dirty="0" err="1"/>
-              <a:t>елемент</a:t>
-            </a:r>
-            <a:r>
-              <a:rPr lang="en-US" sz="2800" dirty="0"/>
-              <a:t> </a:t>
-            </a:r>
-            <a:r>
-              <a:rPr lang="en-US" sz="2800" dirty="0" err="1"/>
-              <a:t>на</a:t>
-            </a:r>
-            <a:r>
-              <a:rPr lang="en-US" sz="2800" dirty="0"/>
-              <a:t> </a:t>
-            </a:r>
-            <a:r>
-              <a:rPr lang="en-US" sz="2800" dirty="0" err="1"/>
-              <a:t>определен</a:t>
-            </a:r>
-            <a:r>
-              <a:rPr lang="en-US" sz="2800" dirty="0"/>
-              <a:t> </a:t>
-            </a:r>
-            <a:r>
-              <a:rPr lang="en-US" sz="2800" dirty="0" err="1"/>
-              <a:t>индекс</a:t>
-            </a:r>
-            <a:endParaRPr lang="en-US" sz="2800" dirty="0" err="1">
+              <a:t> – премахва елемент на определен индекс</a:t>
+            </a:r>
+            <a:endParaRPr lang="en-US" sz="2800" dirty="0">
               <a:cs typeface="Calibri"/>
             </a:endParaRPr>
           </a:p>
@@ -29367,75 +26799,23 @@
               <a:t>Insert(</a:t>
             </a:r>
             <a:r>
-              <a:rPr lang="en-US" sz="2800" dirty="0" err="1">
-                <a:latin typeface="Consolas"/>
-              </a:rPr>
-              <a:t>индекс</a:t>
-            </a:r>
-            <a:r>
               <a:rPr lang="en-US" sz="2800" dirty="0">
                 <a:latin typeface="Consolas"/>
               </a:rPr>
-              <a:t>, </a:t>
-            </a:r>
-            <a:r>
-              <a:rPr lang="en-US" sz="2800" dirty="0" err="1">
+              <a:t>индекс, елемент</a:t>
+            </a:r>
+            <a:r>
+              <a:rPr lang="en-US" sz="2800" b="1" dirty="0">
+                <a:solidFill>
+                  <a:schemeClr val="bg1"/>
+                </a:solidFill>
                 <a:latin typeface="Consolas"/>
               </a:rPr>
-              <a:t>елемент</a:t>
-            </a:r>
-            <a:r>
-              <a:rPr lang="en-US" sz="2800" b="1" dirty="0">
-                <a:solidFill>
-                  <a:schemeClr val="bg1"/>
-                </a:solidFill>
-                <a:latin typeface="Consolas"/>
-              </a:rPr>
               <a:t>)</a:t>
             </a:r>
             <a:r>
               <a:rPr lang="en-US" sz="2800" dirty="0"/>
-              <a:t> – </a:t>
-            </a:r>
-            <a:r>
-              <a:rPr lang="en-US" sz="2800" dirty="0" err="1"/>
-              <a:t>добавя</a:t>
-            </a:r>
-            <a:r>
-              <a:rPr lang="en-US" sz="2800" dirty="0"/>
-              <a:t> </a:t>
-            </a:r>
-            <a:r>
-              <a:rPr lang="en-US" sz="2800" dirty="0" err="1"/>
-              <a:t>елемент</a:t>
-            </a:r>
-            <a:r>
-              <a:rPr lang="en-US" sz="2800" dirty="0"/>
-              <a:t> </a:t>
-            </a:r>
-            <a:r>
-              <a:rPr lang="en-US" sz="2800" dirty="0" err="1"/>
-              <a:t>на</a:t>
-            </a:r>
-            <a:r>
-              <a:rPr lang="en-US" sz="2800" dirty="0"/>
-              <a:t> </a:t>
-            </a:r>
-            <a:r>
-              <a:rPr lang="en-US" sz="2800" dirty="0" err="1"/>
-              <a:t>даден</a:t>
-            </a:r>
-            <a:r>
-              <a:rPr lang="en-US" sz="2800" dirty="0"/>
-              <a:t> </a:t>
-            </a:r>
-            <a:r>
-              <a:rPr lang="en-US" sz="2800" dirty="0" err="1"/>
-              <a:t>индекс</a:t>
-            </a:r>
-            <a:r>
-              <a:rPr lang="en-US" sz="2800" dirty="0"/>
-              <a:t> </a:t>
+              <a:t> – добавя елемент на даден индекс </a:t>
             </a:r>
             <a:endParaRPr lang="en-US" sz="2800" dirty="0">
               <a:cs typeface="Calibri"/>
@@ -29463,7 +26843,7 @@
               <a:t>Contains(</a:t>
             </a:r>
             <a:r>
-              <a:rPr lang="en-US" sz="2800" dirty="0" err="1">
+              <a:rPr lang="en-US" sz="2800" dirty="0">
                 <a:latin typeface="Consolas"/>
               </a:rPr>
               <a:t>елемент</a:t>
@@ -29479,45 +26859,9 @@
             </a:r>
             <a:r>
               <a:rPr lang="en-US" sz="2800" dirty="0"/>
-              <a:t> – </a:t>
-            </a:r>
-            <a:r>
-              <a:rPr lang="en-US" sz="2800" dirty="0" err="1"/>
-              <a:t>проверява</a:t>
-            </a:r>
-            <a:r>
-              <a:rPr lang="en-US" sz="2800" dirty="0"/>
-              <a:t> </a:t>
-            </a:r>
-            <a:r>
-              <a:rPr lang="en-US" sz="2800" dirty="0" err="1"/>
-              <a:t>дали</a:t>
-            </a:r>
-            <a:r>
-              <a:rPr lang="en-US" sz="2800" dirty="0"/>
-              <a:t> </a:t>
-            </a:r>
-            <a:r>
-              <a:rPr lang="en-US" sz="2800" dirty="0" err="1"/>
-              <a:t>елемента</a:t>
-            </a:r>
-            <a:r>
-              <a:rPr lang="en-US" sz="2800" dirty="0"/>
-              <a:t> </a:t>
-            </a:r>
-            <a:r>
-              <a:rPr lang="en-US" sz="2800" dirty="0" err="1"/>
-              <a:t>съществува</a:t>
-            </a:r>
-            <a:r>
-              <a:rPr lang="en-US" sz="2800" dirty="0"/>
-              <a:t> в </a:t>
-            </a:r>
-            <a:r>
-              <a:rPr lang="en-US" sz="2800" dirty="0" err="1"/>
-              <a:t>списъка</a:t>
-            </a:r>
-            <a:endParaRPr lang="en-US" sz="2800" dirty="0" err="1">
+              <a:t> – проверява дали елемента съществува в списъка</a:t>
+            </a:r>
+            <a:endParaRPr lang="en-US" sz="2800" dirty="0">
               <a:cs typeface="Calibri"/>
             </a:endParaRPr>
           </a:p>
@@ -29544,53 +26888,9 @@
             </a:r>
             <a:r>
               <a:rPr lang="en-US" sz="2800" dirty="0"/>
-              <a:t> – </a:t>
-            </a:r>
-            <a:r>
-              <a:rPr lang="en-US" sz="2800" dirty="0" err="1"/>
-              <a:t>сортира</a:t>
-            </a:r>
-            <a:r>
-              <a:rPr lang="en-US" sz="2800" dirty="0"/>
-              <a:t> </a:t>
-            </a:r>
-            <a:r>
-              <a:rPr lang="en-US" sz="2800" dirty="0" err="1"/>
-              <a:t>масива</a:t>
-            </a:r>
-            <a:r>
-              <a:rPr lang="en-US" sz="2800" dirty="0"/>
-              <a:t>/</a:t>
-            </a:r>
-            <a:r>
-              <a:rPr lang="en-US" sz="2800" dirty="0" err="1"/>
-              <a:t>списъка</a:t>
-            </a:r>
-            <a:r>
-              <a:rPr lang="en-US" sz="2800" dirty="0"/>
-              <a:t> </a:t>
-            </a:r>
-            <a:r>
-              <a:rPr lang="en-US" sz="2800" dirty="0" err="1"/>
-              <a:t>по</a:t>
-            </a:r>
-            <a:r>
-              <a:rPr lang="en-US" sz="2800" dirty="0"/>
-              <a:t> </a:t>
-            </a:r>
-            <a:r>
-              <a:rPr lang="en-US" sz="2800" dirty="0" err="1"/>
-              <a:t>азбучен</a:t>
-            </a:r>
-            <a:r>
-              <a:rPr lang="en-US" sz="2800" dirty="0"/>
-              <a:t> </a:t>
-            </a:r>
-            <a:r>
-              <a:rPr lang="en-US" sz="2800" dirty="0" err="1"/>
-              <a:t>ред</a:t>
-            </a:r>
-            <a:endParaRPr lang="en-US" b="1" dirty="0" err="1">
+              <a:t> – сортира масива/списъка по азбучен ред</a:t>
+            </a:r>
+            <a:endParaRPr lang="en-US" b="1" dirty="0">
               <a:solidFill>
                 <a:schemeClr val="bg1"/>
               </a:solidFill>
@@ -29617,32 +26917,11 @@
           <a:lstStyle/>
           <a:p>
             <a:r>
-              <a:rPr lang="en-US" sz="3950" dirty="0" err="1">
-                <a:ea typeface="+mj-lt"/>
-                <a:cs typeface="+mj-lt"/>
-              </a:rPr>
-              <a:t>Списък</a:t>
-            </a:r>
-            <a:r>
               <a:rPr lang="en-US" sz="3950" dirty="0">
                 <a:ea typeface="+mj-lt"/>
                 <a:cs typeface="+mj-lt"/>
               </a:rPr>
-              <a:t> </a:t>
-            </a:r>
-            <a:r>
-              <a:rPr lang="en-US" sz="3950" dirty="0" err="1">
-                <a:ea typeface="+mj-lt"/>
-                <a:cs typeface="+mj-lt"/>
-              </a:rPr>
-              <a:t>от</a:t>
-            </a:r>
-            <a:r>
-              <a:rPr lang="en-US" sz="3950" dirty="0">
-                <a:ea typeface="+mj-lt"/>
-                <a:cs typeface="+mj-lt"/>
-              </a:rPr>
-              <a:t> Т</a:t>
+              <a:t>Списък от Т</a:t>
             </a:r>
             <a:r>
               <a:rPr lang="en-US" sz="3950" dirty="0"/>
@@ -29655,18 +26934,10 @@
               <a:t>– </a:t>
             </a:r>
             <a:r>
-              <a:rPr lang="en-US" sz="3950" dirty="0" err="1"/>
-              <a:t>Основни</a:t>
-            </a:r>
-            <a:r>
               <a:rPr lang="en-US" sz="3950" dirty="0"/>
-              <a:t> </a:t>
-            </a:r>
-            <a:r>
-              <a:rPr lang="en-US" sz="3950" dirty="0" err="1"/>
-              <a:t>методи</a:t>
-            </a:r>
-            <a:endParaRPr lang="en-US" sz="3950">
+              <a:t>Основни методи</a:t>
+            </a:r>
+            <a:endParaRPr lang="en-US" sz="3950" dirty="0">
               <a:cs typeface="Calibri"/>
             </a:endParaRPr>
           </a:p>
@@ -30528,29 +27799,9 @@
           <a:p>
             <a:r>
               <a:rPr lang="en-GB" sz="3950" dirty="0"/>
-              <a:t>Add() – </a:t>
-            </a:r>
-            <a:r>
-              <a:rPr lang="en-GB" sz="3950" dirty="0" err="1"/>
-              <a:t>Добавяне</a:t>
-            </a:r>
-            <a:r>
-              <a:rPr lang="en-GB" sz="3950" dirty="0"/>
-              <a:t> </a:t>
-            </a:r>
-            <a:r>
-              <a:rPr lang="en-GB" sz="3950" dirty="0" err="1"/>
-              <a:t>на</a:t>
-            </a:r>
-            <a:r>
-              <a:rPr lang="en-GB" sz="3950" dirty="0"/>
-              <a:t> </a:t>
-            </a:r>
-            <a:r>
-              <a:rPr lang="en-GB" sz="3950" dirty="0" err="1"/>
-              <a:t>елемент</a:t>
-            </a:r>
-            <a:endParaRPr lang="bg-BG" dirty="0" err="1"/>
+              <a:t>Add() – Добавяне на елемент</a:t>
+            </a:r>
+            <a:endParaRPr lang="bg-BG" dirty="0"/>
           </a:p>
         </p:txBody>
       </p:sp>
@@ -30869,18 +28120,11 @@
               </a:spcBef>
             </a:pPr>
             <a:r>
-              <a:rPr lang="en-US" sz="3150" b="1" dirty="0" err="1">
-                <a:latin typeface="Consolas"/>
-                <a:cs typeface="Consolas" panose="020B0609020204030204" pitchFamily="49" charset="0"/>
-              </a:rPr>
-              <a:t>Брой</a:t>
-            </a:r>
-            <a:r>
               <a:rPr lang="en-US" sz="3150" b="1" dirty="0">
                 <a:latin typeface="Consolas"/>
                 <a:cs typeface="Consolas" panose="020B0609020204030204" pitchFamily="49" charset="0"/>
               </a:rPr>
-              <a:t>:</a:t>
+              <a:t>Брой:</a:t>
             </a:r>
           </a:p>
         </p:txBody>
@@ -32403,29 +29647,9 @@
           <a:p>
             <a:r>
               <a:rPr lang="en-GB" sz="3950" dirty="0"/>
-              <a:t>Remove() – </a:t>
-            </a:r>
-            <a:r>
-              <a:rPr lang="en-GB" sz="3950" dirty="0" err="1"/>
-              <a:t>Премахване</a:t>
-            </a:r>
-            <a:r>
-              <a:rPr lang="en-GB" sz="3950" dirty="0"/>
-              <a:t> </a:t>
-            </a:r>
-            <a:r>
-              <a:rPr lang="en-GB" sz="3950" dirty="0" err="1"/>
-              <a:t>на</a:t>
-            </a:r>
-            <a:r>
-              <a:rPr lang="en-GB" sz="3950" dirty="0"/>
-              <a:t> </a:t>
-            </a:r>
-            <a:r>
-              <a:rPr lang="en-GB" sz="3950" dirty="0" err="1"/>
-              <a:t>елемент</a:t>
-            </a:r>
-            <a:endParaRPr lang="bg-BG" dirty="0" err="1"/>
+              <a:t>Remove() – Премахване на елемент</a:t>
+            </a:r>
+            <a:endParaRPr lang="bg-BG" dirty="0"/>
           </a:p>
         </p:txBody>
       </p:sp>
@@ -32597,20 +29821,12 @@
           <a:p>
             <a:pPr lvl="1" defTabSz="1218621"/>
             <a:r>
-              <a:rPr lang="en-US" sz="3150" b="1" dirty="0" err="1">
-                <a:latin typeface="Consolas"/>
-                <a:ea typeface="+mn-lt"/>
-                <a:cs typeface="+mn-lt"/>
-              </a:rPr>
-              <a:t>Брой</a:t>
-            </a:r>
-            <a:r>
               <a:rPr lang="en-US" sz="3150" b="1" dirty="0">
                 <a:latin typeface="Consolas"/>
                 <a:ea typeface="+mn-lt"/>
                 <a:cs typeface="+mn-lt"/>
               </a:rPr>
-              <a:t>:</a:t>
+              <a:t>Брой:</a:t>
             </a:r>
           </a:p>
         </p:txBody>
@@ -32789,58 +30005,30 @@
               </a:buClr>
             </a:pPr>
             <a:r>
-              <a:rPr lang="en-GB" sz="3350" dirty="0" err="1"/>
-              <a:t>Можем</a:t>
-            </a:r>
-            <a:r>
               <a:rPr lang="en-GB" sz="3350" dirty="0"/>
-              <a:t> </a:t>
-            </a:r>
-            <a:r>
-              <a:rPr lang="en-GB" sz="3350" dirty="0" err="1"/>
-              <a:t>да</a:t>
+              <a:t>Можем да  </a:t>
+            </a:r>
+            <a:r>
+              <a:rPr lang="en-GB" sz="3350" b="1" dirty="0">
+                <a:solidFill>
+                  <a:schemeClr val="bg1"/>
+                </a:solidFill>
+              </a:rPr>
+              <a:t>премахваме</a:t>
             </a:r>
             <a:r>
               <a:rPr lang="en-GB" sz="3350" dirty="0"/>
-              <a:t>  </a:t>
-            </a:r>
-            <a:r>
-              <a:rPr lang="en-GB" sz="3350" b="1" dirty="0" err="1">
+              <a:t> елемент от </a:t>
+            </a:r>
+            <a:r>
+              <a:rPr lang="en-GB" sz="3350" b="1" dirty="0">
                 <a:solidFill>
                   <a:schemeClr val="bg1"/>
                 </a:solidFill>
               </a:rPr>
-              <a:t>премахваме</a:t>
-            </a:r>
-            <a:r>
-              <a:rPr lang="en-GB" sz="3350" dirty="0"/>
-              <a:t> </a:t>
-            </a:r>
-            <a:r>
-              <a:rPr lang="en-GB" sz="3350" dirty="0" err="1"/>
-              <a:t>елемент</a:t>
-            </a:r>
-            <a:r>
-              <a:rPr lang="en-GB" sz="3350" dirty="0"/>
-              <a:t> </a:t>
-            </a:r>
-            <a:r>
-              <a:rPr lang="en-GB" sz="3350" dirty="0" err="1"/>
-              <a:t>от</a:t>
-            </a:r>
-            <a:r>
-              <a:rPr lang="en-GB" sz="3350" dirty="0"/>
-              <a:t> </a:t>
-            </a:r>
-            <a:r>
-              <a:rPr lang="en-GB" sz="3350" b="1" dirty="0" err="1">
-                <a:solidFill>
-                  <a:schemeClr val="bg1"/>
-                </a:solidFill>
-              </a:rPr>
               <a:t>списъка</a:t>
             </a:r>
-            <a:endParaRPr lang="bg-BG" sz="3350" dirty="0" err="1">
+            <a:endParaRPr lang="bg-BG" sz="3350" dirty="0">
               <a:solidFill>
                 <a:schemeClr val="bg1"/>
               </a:solidFill>
@@ -32853,100 +30041,30 @@
               </a:buClr>
             </a:pPr>
             <a:r>
-              <a:rPr lang="en-GB" sz="3350" dirty="0" err="1">
-                <a:ea typeface="+mn-lt"/>
-                <a:cs typeface="+mn-lt"/>
-              </a:rPr>
-              <a:t>Всеки</a:t>
-            </a:r>
-            <a:r>
               <a:rPr lang="en-GB" sz="3350" dirty="0">
                 <a:ea typeface="+mn-lt"/>
                 <a:cs typeface="+mn-lt"/>
               </a:rPr>
-              <a:t> </a:t>
-            </a:r>
-            <a:r>
-              <a:rPr lang="en-GB" sz="3350" dirty="0" err="1">
+              <a:t>Всеки път </a:t>
+            </a:r>
+            <a:r>
+              <a:rPr lang="en-GB" sz="3350" b="1" dirty="0">
+                <a:solidFill>
+                  <a:schemeClr val="bg1"/>
+                </a:solidFill>
                 <a:ea typeface="+mn-lt"/>
                 <a:cs typeface="+mn-lt"/>
               </a:rPr>
-              <a:t>път</a:t>
+              <a:t>броя</a:t>
             </a:r>
             <a:r>
               <a:rPr lang="en-GB" sz="3350" dirty="0">
                 <a:ea typeface="+mn-lt"/>
                 <a:cs typeface="+mn-lt"/>
               </a:rPr>
-              <a:t> </a:t>
-            </a:r>
-            <a:r>
-              <a:rPr lang="en-GB" sz="3350" b="1" dirty="0" err="1">
-                <a:solidFill>
-                  <a:schemeClr val="bg1"/>
-                </a:solidFill>
-                <a:ea typeface="+mn-lt"/>
-                <a:cs typeface="+mn-lt"/>
-              </a:rPr>
-              <a:t>броя</a:t>
-            </a:r>
-            <a:r>
-              <a:rPr lang="en-GB" sz="3350" dirty="0">
-                <a:ea typeface="+mn-lt"/>
-                <a:cs typeface="+mn-lt"/>
-              </a:rPr>
-              <a:t> </a:t>
-            </a:r>
-            <a:r>
-              <a:rPr lang="en-GB" sz="3350" dirty="0" err="1">
-                <a:ea typeface="+mn-lt"/>
-                <a:cs typeface="+mn-lt"/>
-              </a:rPr>
-              <a:t>на</a:t>
-            </a:r>
-            <a:r>
-              <a:rPr lang="en-GB" sz="3350" dirty="0">
-                <a:ea typeface="+mn-lt"/>
-                <a:cs typeface="+mn-lt"/>
-              </a:rPr>
-              <a:t> </a:t>
-            </a:r>
-            <a:r>
-              <a:rPr lang="en-GB" sz="3350" dirty="0" err="1">
-                <a:ea typeface="+mn-lt"/>
-                <a:cs typeface="+mn-lt"/>
-              </a:rPr>
-              <a:t>елементите</a:t>
-            </a:r>
-            <a:r>
-              <a:rPr lang="en-GB" sz="3350" dirty="0">
-                <a:ea typeface="+mn-lt"/>
-                <a:cs typeface="+mn-lt"/>
-              </a:rPr>
-              <a:t> </a:t>
-            </a:r>
-            <a:r>
-              <a:rPr lang="en-GB" sz="3350" dirty="0" err="1">
-                <a:ea typeface="+mn-lt"/>
-                <a:cs typeface="+mn-lt"/>
-              </a:rPr>
-              <a:t>се</a:t>
-            </a:r>
-            <a:r>
-              <a:rPr lang="en-GB" sz="3350" dirty="0">
-                <a:ea typeface="+mn-lt"/>
-                <a:cs typeface="+mn-lt"/>
-              </a:rPr>
-              <a:t> </a:t>
-            </a:r>
-            <a:r>
-              <a:rPr lang="en-GB" sz="3350" dirty="0" err="1">
-                <a:ea typeface="+mn-lt"/>
-                <a:cs typeface="+mn-lt"/>
-              </a:rPr>
-              <a:t>намалява</a:t>
-            </a:r>
-            <a:endParaRPr lang="en-US" dirty="0" err="1">
+              <a:t> на елементите се намалява</a:t>
+            </a:r>
+            <a:endParaRPr lang="en-US" dirty="0">
               <a:cs typeface="Calibri"/>
             </a:endParaRPr>
           </a:p>
@@ -34275,31 +31393,7 @@
           <a:p>
             <a:r>
               <a:rPr lang="en-US" sz="3950" dirty="0"/>
-              <a:t>Insert() –</a:t>
-            </a:r>
-            <a:r>
-              <a:rPr lang="en-US" sz="3950" dirty="0" err="1"/>
-              <a:t>Вмъкване</a:t>
-            </a:r>
-            <a:r>
-              <a:rPr lang="en-US" sz="3950" dirty="0"/>
-              <a:t> </a:t>
-            </a:r>
-            <a:r>
-              <a:rPr lang="en-US" sz="3950" dirty="0" err="1"/>
-              <a:t>на</a:t>
-            </a:r>
-            <a:r>
-              <a:rPr lang="en-US" sz="3950" dirty="0"/>
-              <a:t> </a:t>
-            </a:r>
-            <a:r>
-              <a:rPr lang="en-US" sz="3950" dirty="0" err="1"/>
-              <a:t>елемент</a:t>
-            </a:r>
-            <a:r>
-              <a:rPr lang="en-US" sz="3950" dirty="0"/>
-              <a:t> </a:t>
+              <a:t>Insert() –Вмъкване на елемент </a:t>
             </a:r>
             <a:endParaRPr lang="en-US" sz="3950" dirty="0">
               <a:cs typeface="Calibri"/>
@@ -34475,18 +31569,11 @@
           <a:p>
             <a:pPr lvl="1" defTabSz="1218621"/>
             <a:r>
-              <a:rPr lang="en-US" sz="3150" b="1" dirty="0" err="1">
-                <a:latin typeface="Consolas"/>
-                <a:cs typeface="+mn-lt"/>
-              </a:rPr>
-              <a:t>Брой</a:t>
-            </a:r>
-            <a:r>
               <a:rPr lang="en-US" sz="3150" b="1" dirty="0">
                 <a:latin typeface="Consolas"/>
                 <a:cs typeface="+mn-lt"/>
               </a:rPr>
-              <a:t>:</a:t>
+              <a:t>Брой:</a:t>
             </a:r>
             <a:endParaRPr lang="en-US" sz="3150" b="1" dirty="0">
               <a:latin typeface="Consolas"/>
@@ -34534,48 +31621,16 @@
               <a:t> </a:t>
             </a:r>
             <a:r>
-              <a:rPr lang="en-GB" sz="3350" b="1" dirty="0" err="1">
+              <a:rPr lang="en-GB" sz="3350" b="1" dirty="0">
                 <a:solidFill>
                   <a:schemeClr val="bg1"/>
                 </a:solidFill>
               </a:rPr>
-              <a:t>Вмъкваме</a:t>
-            </a:r>
-            <a:r>
-              <a:rPr lang="en-GB" sz="3350" b="1" dirty="0">
-                <a:solidFill>
-                  <a:schemeClr val="bg1"/>
-                </a:solidFill>
-              </a:rPr>
-              <a:t> </a:t>
+              <a:t>Вмъкваме </a:t>
             </a:r>
             <a:r>
               <a:rPr lang="en-GB" sz="3350" dirty="0"/>
-              <a:t> </a:t>
-            </a:r>
-            <a:r>
-              <a:rPr lang="en-GB" sz="3350" dirty="0" err="1"/>
-              <a:t>елемент</a:t>
-            </a:r>
-            <a:r>
-              <a:rPr lang="en-GB" sz="3350" dirty="0"/>
-              <a:t> </a:t>
-            </a:r>
-            <a:r>
-              <a:rPr lang="en-GB" sz="3350" dirty="0" err="1"/>
-              <a:t>на</a:t>
-            </a:r>
-            <a:r>
-              <a:rPr lang="en-GB" sz="3350" dirty="0"/>
-              <a:t> </a:t>
-            </a:r>
-            <a:r>
-              <a:rPr lang="en-GB" sz="3350" dirty="0" err="1"/>
-              <a:t>индекс</a:t>
-            </a:r>
-            <a:r>
-              <a:rPr lang="en-GB" sz="3350" dirty="0"/>
-              <a:t> 1</a:t>
+              <a:t> елемент на индекс 1</a:t>
             </a:r>
             <a:endParaRPr lang="bg-BG" sz="3350" dirty="0"/>
           </a:p>
@@ -34586,124 +31641,36 @@
               </a:buClr>
             </a:pPr>
             <a:r>
-              <a:rPr lang="en-GB" sz="3350" dirty="0" err="1">
-                <a:latin typeface="Calibri"/>
-                <a:cs typeface="Calibri"/>
-              </a:rPr>
-              <a:t>Индексите</a:t>
-            </a:r>
-            <a:r>
               <a:rPr lang="en-GB" sz="3350" dirty="0">
                 <a:latin typeface="Calibri"/>
                 <a:cs typeface="Calibri"/>
               </a:rPr>
-              <a:t> </a:t>
-            </a:r>
-            <a:r>
-              <a:rPr lang="en-GB" sz="3350" dirty="0" err="1">
+              <a:t>Индексите на другите елементи се </a:t>
+            </a:r>
+            <a:r>
+              <a:rPr lang="en-GB" sz="3350" b="1" dirty="0">
+                <a:solidFill>
+                  <a:schemeClr val="bg1"/>
+                </a:solidFill>
                 <a:latin typeface="Calibri"/>
                 <a:cs typeface="Calibri"/>
               </a:rPr>
-              <a:t>на</a:t>
+              <a:t>променят</a:t>
+            </a:r>
+            <a:r>
+              <a:rPr lang="en-GB" sz="3350" b="1" dirty="0">
+                <a:latin typeface="Calibri"/>
+                <a:cs typeface="Calibri"/>
+              </a:rPr>
+              <a:t> </a:t>
             </a:r>
             <a:r>
               <a:rPr lang="en-GB" sz="3350" dirty="0">
                 <a:latin typeface="Calibri"/>
                 <a:cs typeface="Calibri"/>
               </a:rPr>
-              <a:t> </a:t>
-            </a:r>
-            <a:r>
-              <a:rPr lang="en-GB" sz="3350" dirty="0" err="1">
-                <a:latin typeface="Calibri"/>
-                <a:cs typeface="Calibri"/>
-              </a:rPr>
-              <a:t>другите</a:t>
-            </a:r>
-            <a:r>
-              <a:rPr lang="en-GB" sz="3350" dirty="0">
-                <a:latin typeface="Calibri"/>
-                <a:cs typeface="Calibri"/>
-              </a:rPr>
-              <a:t> </a:t>
-            </a:r>
-            <a:r>
-              <a:rPr lang="en-GB" sz="3350" dirty="0" err="1">
-                <a:latin typeface="Calibri"/>
-                <a:cs typeface="Calibri"/>
-              </a:rPr>
-              <a:t>елементи</a:t>
-            </a:r>
-            <a:r>
-              <a:rPr lang="en-GB" sz="3350" dirty="0">
-                <a:latin typeface="Calibri"/>
-                <a:cs typeface="Calibri"/>
-              </a:rPr>
-              <a:t> </a:t>
-            </a:r>
-            <a:r>
-              <a:rPr lang="en-GB" sz="3350" dirty="0" err="1">
-                <a:latin typeface="Calibri"/>
-                <a:cs typeface="Calibri"/>
-              </a:rPr>
-              <a:t>се</a:t>
-            </a:r>
-            <a:r>
-              <a:rPr lang="en-GB" sz="3350" dirty="0">
-                <a:latin typeface="Calibri"/>
-                <a:cs typeface="Calibri"/>
-              </a:rPr>
-              <a:t> </a:t>
-            </a:r>
-            <a:r>
-              <a:rPr lang="en-GB" sz="3350" b="1" dirty="0" err="1">
-                <a:solidFill>
-                  <a:schemeClr val="bg1"/>
-                </a:solidFill>
-                <a:latin typeface="Calibri"/>
-                <a:cs typeface="Calibri"/>
-              </a:rPr>
-              <a:t>променят</a:t>
-            </a:r>
-            <a:r>
-              <a:rPr lang="en-GB" sz="3350" b="1" dirty="0">
-                <a:latin typeface="Calibri"/>
-                <a:cs typeface="Calibri"/>
-              </a:rPr>
-              <a:t> </a:t>
-            </a:r>
-            <a:r>
-              <a:rPr lang="en-GB" sz="3350" dirty="0">
-                <a:latin typeface="Calibri"/>
-                <a:cs typeface="Calibri"/>
-              </a:rPr>
-              <a:t> </a:t>
-            </a:r>
-            <a:r>
-              <a:rPr lang="en-GB" sz="3350" dirty="0" err="1">
-                <a:latin typeface="Calibri"/>
-                <a:cs typeface="Calibri"/>
-              </a:rPr>
-              <a:t>при</a:t>
-            </a:r>
-            <a:r>
-              <a:rPr lang="en-GB" sz="3350" dirty="0">
-                <a:latin typeface="Calibri"/>
-                <a:cs typeface="Calibri"/>
-              </a:rPr>
-              <a:t> </a:t>
-            </a:r>
-            <a:r>
-              <a:rPr lang="en-GB" sz="3350" dirty="0" err="1">
-                <a:latin typeface="Calibri"/>
-                <a:cs typeface="Calibri"/>
-              </a:rPr>
-              <a:t>вмъкване</a:t>
-            </a:r>
-            <a:endParaRPr lang="en-GB" sz="3350" dirty="0">
-              <a:latin typeface="Calibri"/>
-              <a:cs typeface="Calibri"/>
-            </a:endParaRPr>
+              <a:t> при вмъкване</a:t>
+            </a:r>
           </a:p>
           <a:p>
             <a:pPr marL="0" indent="0">
@@ -35461,58 +32428,17 @@
           <a:lstStyle/>
           <a:p>
             <a:r>
-              <a:rPr lang="en-US" sz="3950" dirty="0" err="1">
-                <a:ea typeface="+mj-lt"/>
-                <a:cs typeface="+mj-lt"/>
-              </a:rPr>
-              <a:t>Списък</a:t>
-            </a:r>
-            <a:r>
               <a:rPr lang="en-US" sz="3950" dirty="0">
                 <a:ea typeface="+mj-lt"/>
                 <a:cs typeface="+mj-lt"/>
               </a:rPr>
-              <a:t> </a:t>
-            </a:r>
-            <a:r>
-              <a:rPr lang="en-US" sz="3950" dirty="0" err="1">
-                <a:ea typeface="+mj-lt"/>
-                <a:cs typeface="+mj-lt"/>
-              </a:rPr>
-              <a:t>от</a:t>
-            </a:r>
-            <a:r>
-              <a:rPr lang="en-US" sz="3950" dirty="0">
-                <a:ea typeface="+mj-lt"/>
-                <a:cs typeface="+mj-lt"/>
-              </a:rPr>
-              <a:t> Т</a:t>
+              <a:t>Списък от Т</a:t>
             </a:r>
             <a:r>
               <a:rPr lang="en-US" sz="3950" dirty="0"/>
-              <a:t> – Примери </a:t>
-            </a:r>
-            <a:r>
-              <a:rPr lang="en-US" sz="3950" dirty="0" err="1"/>
-              <a:t>за</a:t>
-            </a:r>
-            <a:r>
-              <a:rPr lang="en-US" sz="3950" dirty="0"/>
-              <a:t> </a:t>
-            </a:r>
-            <a:r>
-              <a:rPr lang="en-US" sz="3950" dirty="0" err="1"/>
-              <a:t>основни</a:t>
-            </a:r>
-            <a:r>
-              <a:rPr lang="en-US" sz="3950" dirty="0"/>
-              <a:t> </a:t>
-            </a:r>
-            <a:r>
-              <a:rPr lang="en-US" sz="3950" dirty="0" err="1"/>
-              <a:t>методи</a:t>
-            </a:r>
-            <a:endParaRPr lang="en-US" sz="3950">
+              <a:t> – Примери за основни методи</a:t>
+            </a:r>
+            <a:endParaRPr lang="en-US" sz="3950" dirty="0">
               <a:cs typeface="Calibri"/>
             </a:endParaRPr>
           </a:p>
